--- a/pre/约束布局.pptx
+++ b/pre/约束布局.pptx
@@ -16,9 +16,12 @@
     <p:sldId id="509" r:id="rId9"/>
     <p:sldId id="510" r:id="rId10"/>
     <p:sldId id="512" r:id="rId11"/>
-    <p:sldId id="511" r:id="rId12"/>
-    <p:sldId id="532" r:id="rId13"/>
-    <p:sldId id="350" r:id="rId14"/>
+    <p:sldId id="533" r:id="rId12"/>
+    <p:sldId id="535" r:id="rId13"/>
+    <p:sldId id="536" r:id="rId14"/>
+    <p:sldId id="511" r:id="rId15"/>
+    <p:sldId id="532" r:id="rId16"/>
+    <p:sldId id="350" r:id="rId17"/>
   </p:sldIdLst>
   <p:sldSz cx="12192000" cy="6858000"/>
   <p:notesSz cx="6858000" cy="9144000"/>
@@ -6244,6 +6247,3001 @@
           <a:chExt cx="0" cy="0"/>
         </a:xfrm>
       </p:grpSpPr>
+      <p:grpSp>
+        <p:nvGrpSpPr>
+          <p:cNvPr id="2" name="PA_组合 47"/>
+          <p:cNvGrpSpPr/>
+          <p:nvPr>
+            <p:custDataLst>
+              <p:tags r:id="rId1"/>
+            </p:custDataLst>
+          </p:nvPr>
+        </p:nvGrpSpPr>
+        <p:grpSpPr>
+          <a:xfrm>
+            <a:off x="554877" y="932724"/>
+            <a:ext cx="1199456" cy="74689"/>
+            <a:chOff x="0" y="2842590"/>
+            <a:chExt cx="7054752" cy="89199"/>
+          </a:xfrm>
+        </p:grpSpPr>
+        <p:sp>
+          <p:nvSpPr>
+            <p:cNvPr id="49" name="矩形 48"/>
+            <p:cNvSpPr/>
+            <p:nvPr/>
+          </p:nvSpPr>
+          <p:spPr>
+            <a:xfrm>
+              <a:off x="0" y="2842590"/>
+              <a:ext cx="1763688" cy="89199"/>
+            </a:xfrm>
+            <a:prstGeom prst="rect">
+              <a:avLst/>
+            </a:prstGeom>
+            <a:solidFill>
+              <a:schemeClr val="accent1"/>
+            </a:solidFill>
+            <a:ln>
+              <a:noFill/>
+            </a:ln>
+          </p:spPr>
+          <p:style>
+            <a:lnRef idx="2">
+              <a:schemeClr val="accent1">
+                <a:shade val="50000"/>
+              </a:schemeClr>
+            </a:lnRef>
+            <a:fillRef idx="1">
+              <a:schemeClr val="accent1"/>
+            </a:fillRef>
+            <a:effectRef idx="0">
+              <a:schemeClr val="accent1"/>
+            </a:effectRef>
+            <a:fontRef idx="minor">
+              <a:schemeClr val="lt1"/>
+            </a:fontRef>
+          </p:style>
+          <p:txBody>
+            <a:bodyPr rtlCol="0" anchor="ctr"/>
+            <a:lstStyle/>
+            <a:p>
+              <a:pPr algn="ctr" defTabSz="1218565"/>
+              <a:endParaRPr lang="zh-CN" altLang="en-US" sz="2400">
+                <a:solidFill>
+                  <a:srgbClr val="FFFFFF"/>
+                </a:solidFill>
+                <a:latin typeface="Calibri" panose="020F0502020204030204"/>
+                <a:ea typeface="宋体" panose="02010600030101010101" pitchFamily="2" charset="-122"/>
+              </a:endParaRPr>
+            </a:p>
+          </p:txBody>
+        </p:sp>
+        <p:sp>
+          <p:nvSpPr>
+            <p:cNvPr id="50" name="矩形 49"/>
+            <p:cNvSpPr/>
+            <p:nvPr/>
+          </p:nvSpPr>
+          <p:spPr>
+            <a:xfrm>
+              <a:off x="1763688" y="2842590"/>
+              <a:ext cx="1763688" cy="89199"/>
+            </a:xfrm>
+            <a:prstGeom prst="rect">
+              <a:avLst/>
+            </a:prstGeom>
+            <a:solidFill>
+              <a:schemeClr val="accent2"/>
+            </a:solidFill>
+            <a:ln>
+              <a:noFill/>
+            </a:ln>
+          </p:spPr>
+          <p:style>
+            <a:lnRef idx="2">
+              <a:schemeClr val="accent1">
+                <a:shade val="50000"/>
+              </a:schemeClr>
+            </a:lnRef>
+            <a:fillRef idx="1">
+              <a:schemeClr val="accent1"/>
+            </a:fillRef>
+            <a:effectRef idx="0">
+              <a:schemeClr val="accent1"/>
+            </a:effectRef>
+            <a:fontRef idx="minor">
+              <a:schemeClr val="lt1"/>
+            </a:fontRef>
+          </p:style>
+          <p:txBody>
+            <a:bodyPr rtlCol="0" anchor="ctr"/>
+            <a:lstStyle/>
+            <a:p>
+              <a:pPr algn="ctr" defTabSz="1218565"/>
+              <a:endParaRPr lang="zh-CN" altLang="en-US" sz="2400">
+                <a:solidFill>
+                  <a:srgbClr val="FFFFFF"/>
+                </a:solidFill>
+                <a:latin typeface="Calibri" panose="020F0502020204030204"/>
+                <a:ea typeface="宋体" panose="02010600030101010101" pitchFamily="2" charset="-122"/>
+              </a:endParaRPr>
+            </a:p>
+          </p:txBody>
+        </p:sp>
+        <p:sp>
+          <p:nvSpPr>
+            <p:cNvPr id="51" name="矩形 50"/>
+            <p:cNvSpPr/>
+            <p:nvPr/>
+          </p:nvSpPr>
+          <p:spPr>
+            <a:xfrm>
+              <a:off x="3527376" y="2842590"/>
+              <a:ext cx="1763688" cy="89199"/>
+            </a:xfrm>
+            <a:prstGeom prst="rect">
+              <a:avLst/>
+            </a:prstGeom>
+            <a:solidFill>
+              <a:schemeClr val="accent3"/>
+            </a:solidFill>
+            <a:ln>
+              <a:noFill/>
+            </a:ln>
+          </p:spPr>
+          <p:style>
+            <a:lnRef idx="2">
+              <a:schemeClr val="accent1">
+                <a:shade val="50000"/>
+              </a:schemeClr>
+            </a:lnRef>
+            <a:fillRef idx="1">
+              <a:schemeClr val="accent1"/>
+            </a:fillRef>
+            <a:effectRef idx="0">
+              <a:schemeClr val="accent1"/>
+            </a:effectRef>
+            <a:fontRef idx="minor">
+              <a:schemeClr val="lt1"/>
+            </a:fontRef>
+          </p:style>
+          <p:txBody>
+            <a:bodyPr rtlCol="0" anchor="ctr"/>
+            <a:lstStyle/>
+            <a:p>
+              <a:pPr algn="ctr" defTabSz="1218565"/>
+              <a:endParaRPr lang="zh-CN" altLang="en-US" sz="2400">
+                <a:solidFill>
+                  <a:srgbClr val="FFFFFF"/>
+                </a:solidFill>
+                <a:latin typeface="Calibri" panose="020F0502020204030204"/>
+                <a:ea typeface="宋体" panose="02010600030101010101" pitchFamily="2" charset="-122"/>
+              </a:endParaRPr>
+            </a:p>
+          </p:txBody>
+        </p:sp>
+        <p:sp>
+          <p:nvSpPr>
+            <p:cNvPr id="52" name="矩形 51"/>
+            <p:cNvSpPr/>
+            <p:nvPr/>
+          </p:nvSpPr>
+          <p:spPr>
+            <a:xfrm>
+              <a:off x="5291064" y="2842590"/>
+              <a:ext cx="1763688" cy="89199"/>
+            </a:xfrm>
+            <a:prstGeom prst="rect">
+              <a:avLst/>
+            </a:prstGeom>
+            <a:solidFill>
+              <a:schemeClr val="accent4"/>
+            </a:solidFill>
+            <a:ln>
+              <a:noFill/>
+            </a:ln>
+          </p:spPr>
+          <p:style>
+            <a:lnRef idx="2">
+              <a:schemeClr val="accent1">
+                <a:shade val="50000"/>
+              </a:schemeClr>
+            </a:lnRef>
+            <a:fillRef idx="1">
+              <a:schemeClr val="accent1"/>
+            </a:fillRef>
+            <a:effectRef idx="0">
+              <a:schemeClr val="accent1"/>
+            </a:effectRef>
+            <a:fontRef idx="minor">
+              <a:schemeClr val="lt1"/>
+            </a:fontRef>
+          </p:style>
+          <p:txBody>
+            <a:bodyPr rtlCol="0" anchor="ctr"/>
+            <a:lstStyle/>
+            <a:p>
+              <a:pPr algn="ctr" defTabSz="1218565"/>
+              <a:endParaRPr lang="zh-CN" altLang="en-US" sz="2400">
+                <a:solidFill>
+                  <a:srgbClr val="FFFFFF"/>
+                </a:solidFill>
+                <a:latin typeface="Calibri" panose="020F0502020204030204"/>
+                <a:ea typeface="宋体" panose="02010600030101010101" pitchFamily="2" charset="-122"/>
+              </a:endParaRPr>
+            </a:p>
+          </p:txBody>
+        </p:sp>
+      </p:grpSp>
+      <p:sp>
+        <p:nvSpPr>
+          <p:cNvPr id="13" name="PA_矩形 39"/>
+          <p:cNvSpPr>
+            <a:spLocks noChangeArrowheads="1"/>
+          </p:cNvSpPr>
+          <p:nvPr>
+            <p:custDataLst>
+              <p:tags r:id="rId2"/>
+            </p:custDataLst>
+          </p:nvPr>
+        </p:nvSpPr>
+        <p:spPr bwMode="auto">
+          <a:xfrm>
+            <a:off x="554879" y="371042"/>
+            <a:ext cx="5388721" cy="410210"/>
+          </a:xfrm>
+          <a:prstGeom prst="rect">
+            <a:avLst/>
+          </a:prstGeom>
+          <a:noFill/>
+          <a:ln>
+            <a:noFill/>
+          </a:ln>
+          <a:extLst>
+            <a:ext uri="{909E8E84-426E-40DD-AFC4-6F175D3DCCD1}">
+              <a14:hiddenFill xmlns:a14="http://schemas.microsoft.com/office/drawing/2010/main">
+                <a:solidFill>
+                  <a:srgbClr val="FFFFFF"/>
+                </a:solidFill>
+              </a14:hiddenFill>
+            </a:ext>
+            <a:ext uri="{91240B29-F687-4F45-9708-019B960494DF}">
+              <a14:hiddenLine xmlns:a14="http://schemas.microsoft.com/office/drawing/2010/main" w="9525">
+                <a:solidFill>
+                  <a:srgbClr val="000000"/>
+                </a:solidFill>
+                <a:miter lim="800000"/>
+                <a:headEnd/>
+                <a:tailEnd/>
+              </a14:hiddenLine>
+            </a:ext>
+          </a:extLst>
+        </p:spPr>
+        <p:txBody>
+          <a:bodyPr wrap="square" lIns="0" tIns="0" rIns="0" bIns="0">
+            <a:spAutoFit/>
+          </a:bodyPr>
+          <a:lstStyle/>
+          <a:p>
+            <a:pPr defTabSz="1218565"/>
+            <a:r>
+              <a:rPr lang="en-US" sz="2665" dirty="0" smtClean="0">
+                <a:solidFill>
+                  <a:srgbClr val="1D69A3"/>
+                </a:solidFill>
+                <a:latin typeface="微软雅黑" panose="020B0503020204020204" pitchFamily="34" charset="-122"/>
+                <a:ea typeface="微软雅黑" panose="020B0503020204020204" pitchFamily="34" charset="-122"/>
+              </a:rPr>
+              <a:t>RelativeLayout</a:t>
+            </a:r>
+            <a:endParaRPr lang="en-US" sz="2665" dirty="0" smtClean="0">
+              <a:solidFill>
+                <a:srgbClr val="1D69A3"/>
+              </a:solidFill>
+              <a:latin typeface="微软雅黑" panose="020B0503020204020204" pitchFamily="34" charset="-122"/>
+              <a:ea typeface="微软雅黑" panose="020B0503020204020204" pitchFamily="34" charset="-122"/>
+            </a:endParaRPr>
+          </a:p>
+        </p:txBody>
+      </p:sp>
+      <p:sp>
+        <p:nvSpPr>
+          <p:cNvPr id="3" name="文本框 2"/>
+          <p:cNvSpPr txBox="1"/>
+          <p:nvPr/>
+        </p:nvSpPr>
+        <p:spPr>
+          <a:xfrm>
+            <a:off x="554990" y="1190625"/>
+            <a:ext cx="3360420" cy="2584450"/>
+          </a:xfrm>
+          <a:prstGeom prst="rect">
+            <a:avLst/>
+          </a:prstGeom>
+          <a:noFill/>
+        </p:spPr>
+        <p:txBody>
+          <a:bodyPr wrap="square" rtlCol="0" anchor="t">
+            <a:spAutoFit/>
+          </a:bodyPr>
+          <a:p>
+            <a:r>
+              <a:rPr lang="zh-CN" altLang="en-US"/>
+              <a:t>RelativeLayout</a:t>
+            </a:r>
+            <a:endParaRPr lang="zh-CN" altLang="en-US"/>
+          </a:p>
+          <a:p>
+            <a:r>
+              <a:rPr lang="zh-CN" altLang="en-US"/>
+              <a:t>layout_orientation这个属性在relativelayout中不成立</a:t>
+            </a:r>
+            <a:endParaRPr lang="zh-CN" altLang="en-US"/>
+          </a:p>
+          <a:p>
+            <a:endParaRPr lang="zh-CN" altLang="en-US"/>
+          </a:p>
+          <a:p>
+            <a:r>
+              <a:rPr lang="zh-CN" altLang="en-US"/>
+              <a:t>在RelativeLayout中虽然没有android:layout_gravity这个属性，但是是有layout_alignParentBottom这种属性，是贴紧父亲布局的下边</a:t>
+            </a:r>
+            <a:endParaRPr lang="zh-CN" altLang="en-US"/>
+          </a:p>
+        </p:txBody>
+      </p:sp>
+    </p:spTree>
+  </p:cSld>
+  <p:clrMapOvr>
+    <a:masterClrMapping/>
+  </p:clrMapOvr>
+  <mc:AlternateContent xmlns:mc="http://schemas.openxmlformats.org/markup-compatibility/2006">
+    <mc:Choice xmlns:p14="http://schemas.microsoft.com/office/powerpoint/2010/main" Requires="p14">
+      <p:transition spd="slow" p14:dur="1500">
+        <p:random/>
+      </p:transition>
+    </mc:Choice>
+    <mc:Fallback>
+      <p:transition spd="slow">
+        <p:random/>
+      </p:transition>
+    </mc:Fallback>
+  </mc:AlternateContent>
+  <p:timing>
+    <p:tnLst>
+      <p:par>
+        <p:cTn id="1" dur="indefinite" restart="never" nodeType="tmRoot">
+          <p:childTnLst>
+            <p:seq concurrent="1" nextAc="seek">
+              <p:cTn id="2" dur="indefinite" nodeType="mainSeq">
+                <p:childTnLst>
+                  <p:par>
+                    <p:cTn id="3" fill="hold">
+                      <p:stCondLst>
+                        <p:cond delay="indefinite"/>
+                        <p:cond evt="onBegin" delay="0">
+                          <p:tn val="2"/>
+                        </p:cond>
+                      </p:stCondLst>
+                      <p:childTnLst>
+                        <p:par>
+                          <p:cTn id="4" fill="hold">
+                            <p:stCondLst>
+                              <p:cond delay="0"/>
+                            </p:stCondLst>
+                            <p:childTnLst>
+                              <p:par>
+                                <p:cTn id="5" presetID="0" presetClass="entr" presetSubtype="0" fill="hold" nodeType="withEffect">
+                                  <p:stCondLst>
+                                    <p:cond delay="0"/>
+                                  </p:stCondLst>
+                                  <p:iterate type="lt">
+                                    <p:tmPct val="10000"/>
+                                  </p:iterate>
+                                  <p:childTnLst>
+                                    <p:set>
+                                      <p:cBhvr>
+                                        <p:cTn id="6" dur="1" fill="hold">
+                                          <p:stCondLst>
+                                            <p:cond delay="0"/>
+                                          </p:stCondLst>
+                                        </p:cTn>
+                                        <p:tgtEl>
+                                          <p:spTgt spid="2"/>
+                                        </p:tgtEl>
+                                        <p:attrNameLst>
+                                          <p:attrName>style.visibility</p:attrName>
+                                        </p:attrNameLst>
+                                      </p:cBhvr>
+                                      <p:to>
+                                        <p:strVal val="visible"/>
+                                      </p:to>
+                                    </p:set>
+                                    <p:anim to="" calcmode="lin" valueType="num">
+                                      <p:cBhvr>
+                                        <p:cTn id="7" dur="700" fill="hold">
+                                          <p:stCondLst>
+                                            <p:cond delay="0"/>
+                                          </p:stCondLst>
+                                        </p:cTn>
+                                        <p:tgtEl>
+                                          <p:spTgt spid="2"/>
+                                        </p:tgtEl>
+                                        <p:attrNameLst>
+                                          <p:attrName>ppt_x</p:attrName>
+                                        </p:attrNameLst>
+                                      </p:cBhvr>
+                                      <p:tavLst>
+                                        <p:tav tm="0" fmla="#ppt_x-(-#ppt_w/2*cos(ppt_r/180*pi))*((1.5-1.5*$)^2-(1.5-1.5*$)^3)">
+                                          <p:val>
+                                            <p:fltVal val="0"/>
+                                          </p:val>
+                                        </p:tav>
+                                        <p:tav tm="100000">
+                                          <p:val>
+                                            <p:fltVal val="1"/>
+                                          </p:val>
+                                        </p:tav>
+                                      </p:tavLst>
+                                    </p:anim>
+                                    <p:anim to="" calcmode="lin" valueType="num">
+                                      <p:cBhvr>
+                                        <p:cTn id="8" dur="700" fill="hold">
+                                          <p:stCondLst>
+                                            <p:cond delay="0"/>
+                                          </p:stCondLst>
+                                        </p:cTn>
+                                        <p:tgtEl>
+                                          <p:spTgt spid="2"/>
+                                        </p:tgtEl>
+                                        <p:attrNameLst>
+                                          <p:attrName>ppt_y</p:attrName>
+                                        </p:attrNameLst>
+                                      </p:cBhvr>
+                                      <p:tavLst>
+                                        <p:tav tm="0" fmla="#ppt_y+(-#ppt_h/2*cos(ppt_r/180*pi))*((1.5-1.5*$)^2-(1.5-1.5*$)^3)">
+                                          <p:val>
+                                            <p:fltVal val="0"/>
+                                          </p:val>
+                                        </p:tav>
+                                        <p:tav tm="100000">
+                                          <p:val>
+                                            <p:fltVal val="1"/>
+                                          </p:val>
+                                        </p:tav>
+                                      </p:tavLst>
+                                    </p:anim>
+                                    <p:anim to="" calcmode="lin" valueType="num">
+                                      <p:cBhvr>
+                                        <p:cTn id="9" dur="700" fill="hold">
+                                          <p:stCondLst>
+                                            <p:cond delay="0"/>
+                                          </p:stCondLst>
+                                        </p:cTn>
+                                        <p:tgtEl>
+                                          <p:spTgt spid="2"/>
+                                        </p:tgtEl>
+                                        <p:attrNameLst>
+                                          <p:attrName>ppt_h</p:attrName>
+                                        </p:attrNameLst>
+                                      </p:cBhvr>
+                                      <p:tavLst>
+                                        <p:tav tm="0" fmla="#ppt_h-(-#ppt_h)*((1.5-1.5*$)^2-(1.5-1.5*$)^3)">
+                                          <p:val>
+                                            <p:fltVal val="0"/>
+                                          </p:val>
+                                        </p:tav>
+                                        <p:tav tm="100000">
+                                          <p:val>
+                                            <p:fltVal val="1"/>
+                                          </p:val>
+                                        </p:tav>
+                                      </p:tavLst>
+                                    </p:anim>
+                                    <p:anim to="" calcmode="lin" valueType="num">
+                                      <p:cBhvr>
+                                        <p:cTn id="10" dur="700" fill="hold">
+                                          <p:stCondLst>
+                                            <p:cond delay="0"/>
+                                          </p:stCondLst>
+                                        </p:cTn>
+                                        <p:tgtEl>
+                                          <p:spTgt spid="2"/>
+                                        </p:tgtEl>
+                                        <p:attrNameLst>
+                                          <p:attrName>ppt_w</p:attrName>
+                                        </p:attrNameLst>
+                                      </p:cBhvr>
+                                      <p:tavLst>
+                                        <p:tav tm="0" fmla="#ppt_w-(-#ppt_w)*((1.5-1.5*$)^2-(1.5-1.5*$)^3)">
+                                          <p:val>
+                                            <p:fltVal val="0"/>
+                                          </p:val>
+                                        </p:tav>
+                                        <p:tav tm="100000">
+                                          <p:val>
+                                            <p:fltVal val="1"/>
+                                          </p:val>
+                                        </p:tav>
+                                      </p:tavLst>
+                                    </p:anim>
+                                  </p:childTnLst>
+                                </p:cTn>
+                              </p:par>
+                              <p:par>
+                                <p:cTn id="11" presetID="0" presetClass="entr" presetSubtype="0" fill="hold" grpId="0" nodeType="withEffect">
+                                  <p:stCondLst>
+                                    <p:cond delay="0"/>
+                                  </p:stCondLst>
+                                  <p:iterate type="lt">
+                                    <p:tmPct val="10000"/>
+                                  </p:iterate>
+                                  <p:childTnLst>
+                                    <p:set>
+                                      <p:cBhvr>
+                                        <p:cTn id="12" dur="1" fill="hold">
+                                          <p:stCondLst>
+                                            <p:cond delay="0"/>
+                                          </p:stCondLst>
+                                        </p:cTn>
+                                        <p:tgtEl>
+                                          <p:spTgt spid="13"/>
+                                        </p:tgtEl>
+                                        <p:attrNameLst>
+                                          <p:attrName>style.visibility</p:attrName>
+                                        </p:attrNameLst>
+                                      </p:cBhvr>
+                                      <p:to>
+                                        <p:strVal val="visible"/>
+                                      </p:to>
+                                    </p:set>
+                                    <p:anim to="" calcmode="lin" valueType="num">
+                                      <p:cBhvr>
+                                        <p:cTn id="13" dur="700" fill="hold">
+                                          <p:stCondLst>
+                                            <p:cond delay="0"/>
+                                          </p:stCondLst>
+                                        </p:cTn>
+                                        <p:tgtEl>
+                                          <p:spTgt spid="13"/>
+                                        </p:tgtEl>
+                                        <p:attrNameLst>
+                                          <p:attrName>ppt_x</p:attrName>
+                                        </p:attrNameLst>
+                                      </p:cBhvr>
+                                      <p:tavLst>
+                                        <p:tav tm="0" fmla="#ppt_x-(-#ppt_w/2*cos(ppt_r/180*pi))*((1.5-1.5*$)^2-(1.5-1.5*$)^3)">
+                                          <p:val>
+                                            <p:fltVal val="0"/>
+                                          </p:val>
+                                        </p:tav>
+                                        <p:tav tm="100000">
+                                          <p:val>
+                                            <p:fltVal val="1"/>
+                                          </p:val>
+                                        </p:tav>
+                                      </p:tavLst>
+                                    </p:anim>
+                                    <p:anim to="" calcmode="lin" valueType="num">
+                                      <p:cBhvr>
+                                        <p:cTn id="14" dur="700" fill="hold">
+                                          <p:stCondLst>
+                                            <p:cond delay="0"/>
+                                          </p:stCondLst>
+                                        </p:cTn>
+                                        <p:tgtEl>
+                                          <p:spTgt spid="13"/>
+                                        </p:tgtEl>
+                                        <p:attrNameLst>
+                                          <p:attrName>ppt_y</p:attrName>
+                                        </p:attrNameLst>
+                                      </p:cBhvr>
+                                      <p:tavLst>
+                                        <p:tav tm="0" fmla="#ppt_y+(-#ppt_h/2*cos(ppt_r/180*pi))*((1.5-1.5*$)^2-(1.5-1.5*$)^3)">
+                                          <p:val>
+                                            <p:fltVal val="0"/>
+                                          </p:val>
+                                        </p:tav>
+                                        <p:tav tm="100000">
+                                          <p:val>
+                                            <p:fltVal val="1"/>
+                                          </p:val>
+                                        </p:tav>
+                                      </p:tavLst>
+                                    </p:anim>
+                                    <p:anim to="" calcmode="lin" valueType="num">
+                                      <p:cBhvr>
+                                        <p:cTn id="15" dur="700" fill="hold">
+                                          <p:stCondLst>
+                                            <p:cond delay="0"/>
+                                          </p:stCondLst>
+                                        </p:cTn>
+                                        <p:tgtEl>
+                                          <p:spTgt spid="13"/>
+                                        </p:tgtEl>
+                                        <p:attrNameLst>
+                                          <p:attrName>ppt_h</p:attrName>
+                                        </p:attrNameLst>
+                                      </p:cBhvr>
+                                      <p:tavLst>
+                                        <p:tav tm="0" fmla="#ppt_h-(-#ppt_h)*((1.5-1.5*$)^2-(1.5-1.5*$)^3)">
+                                          <p:val>
+                                            <p:fltVal val="0"/>
+                                          </p:val>
+                                        </p:tav>
+                                        <p:tav tm="100000">
+                                          <p:val>
+                                            <p:fltVal val="1"/>
+                                          </p:val>
+                                        </p:tav>
+                                      </p:tavLst>
+                                    </p:anim>
+                                    <p:anim to="" calcmode="lin" valueType="num">
+                                      <p:cBhvr>
+                                        <p:cTn id="16" dur="700" fill="hold">
+                                          <p:stCondLst>
+                                            <p:cond delay="0"/>
+                                          </p:stCondLst>
+                                        </p:cTn>
+                                        <p:tgtEl>
+                                          <p:spTgt spid="13"/>
+                                        </p:tgtEl>
+                                        <p:attrNameLst>
+                                          <p:attrName>ppt_w</p:attrName>
+                                        </p:attrNameLst>
+                                      </p:cBhvr>
+                                      <p:tavLst>
+                                        <p:tav tm="0" fmla="#ppt_w-(-#ppt_w)*((1.5-1.5*$)^2-(1.5-1.5*$)^3)">
+                                          <p:val>
+                                            <p:fltVal val="0"/>
+                                          </p:val>
+                                        </p:tav>
+                                        <p:tav tm="100000">
+                                          <p:val>
+                                            <p:fltVal val="1"/>
+                                          </p:val>
+                                        </p:tav>
+                                      </p:tavLst>
+                                    </p:anim>
+                                  </p:childTnLst>
+                                </p:cTn>
+                              </p:par>
+                            </p:childTnLst>
+                          </p:cTn>
+                        </p:par>
+                      </p:childTnLst>
+                    </p:cTn>
+                  </p:par>
+                </p:childTnLst>
+              </p:cTn>
+              <p:prevCondLst>
+                <p:cond evt="onPrev" delay="0">
+                  <p:tgtEl>
+                    <p:sldTgt/>
+                  </p:tgtEl>
+                </p:cond>
+              </p:prevCondLst>
+              <p:nextCondLst>
+                <p:cond evt="onNext" delay="0">
+                  <p:tgtEl>
+                    <p:sldTgt/>
+                  </p:tgtEl>
+                </p:cond>
+              </p:nextCondLst>
+            </p:seq>
+          </p:childTnLst>
+        </p:cTn>
+      </p:par>
+    </p:tnLst>
+    <p:bldLst>
+      <p:bldP spid="13" grpId="0"/>
+    </p:bldLst>
+  </p:timing>
+</p:sld>
+</file>
+
+<file path=ppt/slides/slide11.xml><?xml version="1.0" encoding="utf-8"?>
+<p:sld xmlns:a="http://schemas.openxmlformats.org/drawingml/2006/main" xmlns:r="http://schemas.openxmlformats.org/officeDocument/2006/relationships" xmlns:p="http://schemas.openxmlformats.org/presentationml/2006/main">
+  <p:cSld>
+    <p:spTree>
+      <p:nvGrpSpPr>
+        <p:cNvPr id="1" name=""/>
+        <p:cNvGrpSpPr/>
+        <p:nvPr/>
+      </p:nvGrpSpPr>
+      <p:grpSpPr>
+        <a:xfrm>
+          <a:off x="0" y="0"/>
+          <a:ext cx="0" cy="0"/>
+          <a:chOff x="0" y="0"/>
+          <a:chExt cx="0" cy="0"/>
+        </a:xfrm>
+      </p:grpSpPr>
+      <p:grpSp>
+        <p:nvGrpSpPr>
+          <p:cNvPr id="2" name="PA_组合 47"/>
+          <p:cNvGrpSpPr/>
+          <p:nvPr>
+            <p:custDataLst>
+              <p:tags r:id="rId1"/>
+            </p:custDataLst>
+          </p:nvPr>
+        </p:nvGrpSpPr>
+        <p:grpSpPr>
+          <a:xfrm>
+            <a:off x="554877" y="932724"/>
+            <a:ext cx="1199456" cy="74689"/>
+            <a:chOff x="0" y="2842590"/>
+            <a:chExt cx="7054752" cy="89199"/>
+          </a:xfrm>
+        </p:grpSpPr>
+        <p:sp>
+          <p:nvSpPr>
+            <p:cNvPr id="49" name="矩形 48"/>
+            <p:cNvSpPr/>
+            <p:nvPr/>
+          </p:nvSpPr>
+          <p:spPr>
+            <a:xfrm>
+              <a:off x="0" y="2842590"/>
+              <a:ext cx="1763688" cy="89199"/>
+            </a:xfrm>
+            <a:prstGeom prst="rect">
+              <a:avLst/>
+            </a:prstGeom>
+            <a:solidFill>
+              <a:schemeClr val="accent1"/>
+            </a:solidFill>
+            <a:ln>
+              <a:noFill/>
+            </a:ln>
+          </p:spPr>
+          <p:style>
+            <a:lnRef idx="2">
+              <a:schemeClr val="accent1">
+                <a:shade val="50000"/>
+              </a:schemeClr>
+            </a:lnRef>
+            <a:fillRef idx="1">
+              <a:schemeClr val="accent1"/>
+            </a:fillRef>
+            <a:effectRef idx="0">
+              <a:schemeClr val="accent1"/>
+            </a:effectRef>
+            <a:fontRef idx="minor">
+              <a:schemeClr val="lt1"/>
+            </a:fontRef>
+          </p:style>
+          <p:txBody>
+            <a:bodyPr rtlCol="0" anchor="ctr"/>
+            <a:lstStyle/>
+            <a:p>
+              <a:pPr algn="ctr" defTabSz="1218565"/>
+              <a:endParaRPr lang="zh-CN" altLang="en-US" sz="2400">
+                <a:solidFill>
+                  <a:srgbClr val="FFFFFF"/>
+                </a:solidFill>
+                <a:latin typeface="Calibri" panose="020F0502020204030204"/>
+                <a:ea typeface="宋体" panose="02010600030101010101" pitchFamily="2" charset="-122"/>
+              </a:endParaRPr>
+            </a:p>
+          </p:txBody>
+        </p:sp>
+        <p:sp>
+          <p:nvSpPr>
+            <p:cNvPr id="50" name="矩形 49"/>
+            <p:cNvSpPr/>
+            <p:nvPr/>
+          </p:nvSpPr>
+          <p:spPr>
+            <a:xfrm>
+              <a:off x="1763688" y="2842590"/>
+              <a:ext cx="1763688" cy="89199"/>
+            </a:xfrm>
+            <a:prstGeom prst="rect">
+              <a:avLst/>
+            </a:prstGeom>
+            <a:solidFill>
+              <a:schemeClr val="accent2"/>
+            </a:solidFill>
+            <a:ln>
+              <a:noFill/>
+            </a:ln>
+          </p:spPr>
+          <p:style>
+            <a:lnRef idx="2">
+              <a:schemeClr val="accent1">
+                <a:shade val="50000"/>
+              </a:schemeClr>
+            </a:lnRef>
+            <a:fillRef idx="1">
+              <a:schemeClr val="accent1"/>
+            </a:fillRef>
+            <a:effectRef idx="0">
+              <a:schemeClr val="accent1"/>
+            </a:effectRef>
+            <a:fontRef idx="minor">
+              <a:schemeClr val="lt1"/>
+            </a:fontRef>
+          </p:style>
+          <p:txBody>
+            <a:bodyPr rtlCol="0" anchor="ctr"/>
+            <a:lstStyle/>
+            <a:p>
+              <a:pPr algn="ctr" defTabSz="1218565"/>
+              <a:endParaRPr lang="zh-CN" altLang="en-US" sz="2400">
+                <a:solidFill>
+                  <a:srgbClr val="FFFFFF"/>
+                </a:solidFill>
+                <a:latin typeface="Calibri" panose="020F0502020204030204"/>
+                <a:ea typeface="宋体" panose="02010600030101010101" pitchFamily="2" charset="-122"/>
+              </a:endParaRPr>
+            </a:p>
+          </p:txBody>
+        </p:sp>
+        <p:sp>
+          <p:nvSpPr>
+            <p:cNvPr id="51" name="矩形 50"/>
+            <p:cNvSpPr/>
+            <p:nvPr/>
+          </p:nvSpPr>
+          <p:spPr>
+            <a:xfrm>
+              <a:off x="3527376" y="2842590"/>
+              <a:ext cx="1763688" cy="89199"/>
+            </a:xfrm>
+            <a:prstGeom prst="rect">
+              <a:avLst/>
+            </a:prstGeom>
+            <a:solidFill>
+              <a:schemeClr val="accent3"/>
+            </a:solidFill>
+            <a:ln>
+              <a:noFill/>
+            </a:ln>
+          </p:spPr>
+          <p:style>
+            <a:lnRef idx="2">
+              <a:schemeClr val="accent1">
+                <a:shade val="50000"/>
+              </a:schemeClr>
+            </a:lnRef>
+            <a:fillRef idx="1">
+              <a:schemeClr val="accent1"/>
+            </a:fillRef>
+            <a:effectRef idx="0">
+              <a:schemeClr val="accent1"/>
+            </a:effectRef>
+            <a:fontRef idx="minor">
+              <a:schemeClr val="lt1"/>
+            </a:fontRef>
+          </p:style>
+          <p:txBody>
+            <a:bodyPr rtlCol="0" anchor="ctr"/>
+            <a:lstStyle/>
+            <a:p>
+              <a:pPr algn="ctr" defTabSz="1218565"/>
+              <a:endParaRPr lang="zh-CN" altLang="en-US" sz="2400">
+                <a:solidFill>
+                  <a:srgbClr val="FFFFFF"/>
+                </a:solidFill>
+                <a:latin typeface="Calibri" panose="020F0502020204030204"/>
+                <a:ea typeface="宋体" panose="02010600030101010101" pitchFamily="2" charset="-122"/>
+              </a:endParaRPr>
+            </a:p>
+          </p:txBody>
+        </p:sp>
+        <p:sp>
+          <p:nvSpPr>
+            <p:cNvPr id="52" name="矩形 51"/>
+            <p:cNvSpPr/>
+            <p:nvPr/>
+          </p:nvSpPr>
+          <p:spPr>
+            <a:xfrm>
+              <a:off x="5291064" y="2842590"/>
+              <a:ext cx="1763688" cy="89199"/>
+            </a:xfrm>
+            <a:prstGeom prst="rect">
+              <a:avLst/>
+            </a:prstGeom>
+            <a:solidFill>
+              <a:schemeClr val="accent4"/>
+            </a:solidFill>
+            <a:ln>
+              <a:noFill/>
+            </a:ln>
+          </p:spPr>
+          <p:style>
+            <a:lnRef idx="2">
+              <a:schemeClr val="accent1">
+                <a:shade val="50000"/>
+              </a:schemeClr>
+            </a:lnRef>
+            <a:fillRef idx="1">
+              <a:schemeClr val="accent1"/>
+            </a:fillRef>
+            <a:effectRef idx="0">
+              <a:schemeClr val="accent1"/>
+            </a:effectRef>
+            <a:fontRef idx="minor">
+              <a:schemeClr val="lt1"/>
+            </a:fontRef>
+          </p:style>
+          <p:txBody>
+            <a:bodyPr rtlCol="0" anchor="ctr"/>
+            <a:lstStyle/>
+            <a:p>
+              <a:pPr algn="ctr" defTabSz="1218565"/>
+              <a:endParaRPr lang="zh-CN" altLang="en-US" sz="2400">
+                <a:solidFill>
+                  <a:srgbClr val="FFFFFF"/>
+                </a:solidFill>
+                <a:latin typeface="Calibri" panose="020F0502020204030204"/>
+                <a:ea typeface="宋体" panose="02010600030101010101" pitchFamily="2" charset="-122"/>
+              </a:endParaRPr>
+            </a:p>
+          </p:txBody>
+        </p:sp>
+      </p:grpSp>
+      <p:sp>
+        <p:nvSpPr>
+          <p:cNvPr id="13" name="PA_矩形 39"/>
+          <p:cNvSpPr>
+            <a:spLocks noChangeArrowheads="1"/>
+          </p:cNvSpPr>
+          <p:nvPr>
+            <p:custDataLst>
+              <p:tags r:id="rId2"/>
+            </p:custDataLst>
+          </p:nvPr>
+        </p:nvSpPr>
+        <p:spPr bwMode="auto">
+          <a:xfrm>
+            <a:off x="554879" y="371042"/>
+            <a:ext cx="5388721" cy="410210"/>
+          </a:xfrm>
+          <a:prstGeom prst="rect">
+            <a:avLst/>
+          </a:prstGeom>
+          <a:noFill/>
+          <a:ln>
+            <a:noFill/>
+          </a:ln>
+          <a:extLst>
+            <a:ext uri="{909E8E84-426E-40DD-AFC4-6F175D3DCCD1}">
+              <a14:hiddenFill xmlns:a14="http://schemas.microsoft.com/office/drawing/2010/main">
+                <a:solidFill>
+                  <a:srgbClr val="FFFFFF"/>
+                </a:solidFill>
+              </a14:hiddenFill>
+            </a:ext>
+            <a:ext uri="{91240B29-F687-4F45-9708-019B960494DF}">
+              <a14:hiddenLine xmlns:a14="http://schemas.microsoft.com/office/drawing/2010/main" w="9525">
+                <a:solidFill>
+                  <a:srgbClr val="000000"/>
+                </a:solidFill>
+                <a:miter lim="800000"/>
+                <a:headEnd/>
+                <a:tailEnd/>
+              </a14:hiddenLine>
+            </a:ext>
+          </a:extLst>
+        </p:spPr>
+        <p:txBody>
+          <a:bodyPr wrap="square" lIns="0" tIns="0" rIns="0" bIns="0">
+            <a:spAutoFit/>
+          </a:bodyPr>
+          <a:lstStyle/>
+          <a:p>
+            <a:pPr defTabSz="1218565"/>
+            <a:r>
+              <a:rPr lang="zh-CN" altLang="en-US" sz="2665" dirty="0" smtClean="0">
+                <a:solidFill>
+                  <a:srgbClr val="1D69A3"/>
+                </a:solidFill>
+                <a:latin typeface="微软雅黑" panose="020B0503020204020204" pitchFamily="34" charset="-122"/>
+                <a:ea typeface="微软雅黑" panose="020B0503020204020204" pitchFamily="34" charset="-122"/>
+              </a:rPr>
+              <a:t>布局性能如何衡量？</a:t>
+            </a:r>
+            <a:endParaRPr lang="en-US" altLang="zh-CN" sz="2665" dirty="0" smtClean="0">
+              <a:solidFill>
+                <a:srgbClr val="1D69A3"/>
+              </a:solidFill>
+              <a:latin typeface="微软雅黑" panose="020B0503020204020204" pitchFamily="34" charset="-122"/>
+              <a:ea typeface="微软雅黑" panose="020B0503020204020204" pitchFamily="34" charset="-122"/>
+            </a:endParaRPr>
+          </a:p>
+        </p:txBody>
+      </p:sp>
+      <p:sp>
+        <p:nvSpPr>
+          <p:cNvPr id="12" name="矩形 11"/>
+          <p:cNvSpPr/>
+          <p:nvPr/>
+        </p:nvSpPr>
+        <p:spPr>
+          <a:xfrm>
+            <a:off x="554877" y="1391784"/>
+            <a:ext cx="1338828" cy="369332"/>
+          </a:xfrm>
+          <a:prstGeom prst="rect">
+            <a:avLst/>
+          </a:prstGeom>
+        </p:spPr>
+        <p:txBody>
+          <a:bodyPr wrap="none">
+            <a:spAutoFit/>
+          </a:bodyPr>
+          <a:lstStyle/>
+          <a:p>
+            <a:r>
+              <a:rPr lang="zh-CN" altLang="en-US">
+                <a:solidFill>
+                  <a:srgbClr val="4F4F4F"/>
+                </a:solidFill>
+                <a:latin typeface="-apple-system" charset="0"/>
+              </a:rPr>
+              <a:t>帧渲染数据</a:t>
+            </a:r>
+            <a:endParaRPr lang="zh-CN" altLang="en-US"/>
+          </a:p>
+        </p:txBody>
+      </p:sp>
+      <p:sp>
+        <p:nvSpPr>
+          <p:cNvPr id="5" name="矩形 4"/>
+          <p:cNvSpPr/>
+          <p:nvPr/>
+        </p:nvSpPr>
+        <p:spPr>
+          <a:xfrm>
+            <a:off x="1893705" y="1391784"/>
+            <a:ext cx="2262158" cy="369332"/>
+          </a:xfrm>
+          <a:prstGeom prst="rect">
+            <a:avLst/>
+          </a:prstGeom>
+        </p:spPr>
+        <p:txBody>
+          <a:bodyPr wrap="none">
+            <a:spAutoFit/>
+          </a:bodyPr>
+          <a:lstStyle/>
+          <a:p>
+            <a:r>
+              <a:rPr lang="zh-CN" altLang="en-US">
+                <a:solidFill>
+                  <a:srgbClr val="4F4F4F"/>
+                </a:solidFill>
+                <a:latin typeface="-apple-system" charset="0"/>
+              </a:rPr>
+              <a:t>完成渲染一帧的耗时</a:t>
+            </a:r>
+            <a:endParaRPr lang="zh-CN" altLang="en-US"/>
+          </a:p>
+        </p:txBody>
+      </p:sp>
+      <p:pic>
+        <p:nvPicPr>
+          <p:cNvPr id="7" name="图片 6"/>
+          <p:cNvPicPr>
+            <a:picLocks noChangeAspect="1"/>
+          </p:cNvPicPr>
+          <p:nvPr/>
+        </p:nvPicPr>
+        <p:blipFill>
+          <a:blip r:embed="rId3"/>
+          <a:stretch>
+            <a:fillRect/>
+          </a:stretch>
+        </p:blipFill>
+        <p:spPr>
+          <a:xfrm>
+            <a:off x="4963886" y="1391784"/>
+            <a:ext cx="7644740" cy="4433251"/>
+          </a:xfrm>
+          <a:prstGeom prst="rect">
+            <a:avLst/>
+          </a:prstGeom>
+        </p:spPr>
+      </p:pic>
+    </p:spTree>
+  </p:cSld>
+  <p:clrMapOvr>
+    <a:masterClrMapping/>
+  </p:clrMapOvr>
+  <mc:AlternateContent xmlns:mc="http://schemas.openxmlformats.org/markup-compatibility/2006">
+    <mc:Choice xmlns:p14="http://schemas.microsoft.com/office/powerpoint/2010/main" Requires="p14">
+      <p:transition spd="slow" p14:dur="1500">
+        <p:random/>
+      </p:transition>
+    </mc:Choice>
+    <mc:Fallback>
+      <p:transition spd="slow">
+        <p:random/>
+      </p:transition>
+    </mc:Fallback>
+  </mc:AlternateContent>
+  <p:timing>
+    <p:tnLst>
+      <p:par>
+        <p:cTn id="1" dur="indefinite" restart="never" nodeType="tmRoot">
+          <p:childTnLst>
+            <p:seq concurrent="1" nextAc="seek">
+              <p:cTn id="2" dur="indefinite" nodeType="mainSeq">
+                <p:childTnLst>
+                  <p:par>
+                    <p:cTn id="3" fill="hold">
+                      <p:stCondLst>
+                        <p:cond delay="indefinite"/>
+                        <p:cond evt="onBegin" delay="0">
+                          <p:tn val="2"/>
+                        </p:cond>
+                      </p:stCondLst>
+                      <p:childTnLst>
+                        <p:par>
+                          <p:cTn id="4" fill="hold">
+                            <p:stCondLst>
+                              <p:cond delay="0"/>
+                            </p:stCondLst>
+                            <p:childTnLst>
+                              <p:par>
+                                <p:cTn id="5" presetID="0" presetClass="entr" presetSubtype="0" fill="hold" nodeType="withEffect">
+                                  <p:stCondLst>
+                                    <p:cond delay="0"/>
+                                  </p:stCondLst>
+                                  <p:iterate type="lt">
+                                    <p:tmPct val="10000"/>
+                                  </p:iterate>
+                                  <p:childTnLst>
+                                    <p:set>
+                                      <p:cBhvr>
+                                        <p:cTn id="6" dur="1" fill="hold">
+                                          <p:stCondLst>
+                                            <p:cond delay="0"/>
+                                          </p:stCondLst>
+                                        </p:cTn>
+                                        <p:tgtEl>
+                                          <p:spTgt spid="2"/>
+                                        </p:tgtEl>
+                                        <p:attrNameLst>
+                                          <p:attrName>style.visibility</p:attrName>
+                                        </p:attrNameLst>
+                                      </p:cBhvr>
+                                      <p:to>
+                                        <p:strVal val="visible"/>
+                                      </p:to>
+                                    </p:set>
+                                    <p:anim to="" calcmode="lin" valueType="num">
+                                      <p:cBhvr>
+                                        <p:cTn id="7" dur="700" fill="hold">
+                                          <p:stCondLst>
+                                            <p:cond delay="0"/>
+                                          </p:stCondLst>
+                                        </p:cTn>
+                                        <p:tgtEl>
+                                          <p:spTgt spid="2"/>
+                                        </p:tgtEl>
+                                        <p:attrNameLst>
+                                          <p:attrName>ppt_x</p:attrName>
+                                        </p:attrNameLst>
+                                      </p:cBhvr>
+                                      <p:tavLst>
+                                        <p:tav tm="0" fmla="#ppt_x-(-#ppt_w/2*cos(ppt_r/180*pi))*((1.5-1.5*$)^2-(1.5-1.5*$)^3)">
+                                          <p:val>
+                                            <p:fltVal val="0"/>
+                                          </p:val>
+                                        </p:tav>
+                                        <p:tav tm="100000">
+                                          <p:val>
+                                            <p:fltVal val="1"/>
+                                          </p:val>
+                                        </p:tav>
+                                      </p:tavLst>
+                                    </p:anim>
+                                    <p:anim to="" calcmode="lin" valueType="num">
+                                      <p:cBhvr>
+                                        <p:cTn id="8" dur="700" fill="hold">
+                                          <p:stCondLst>
+                                            <p:cond delay="0"/>
+                                          </p:stCondLst>
+                                        </p:cTn>
+                                        <p:tgtEl>
+                                          <p:spTgt spid="2"/>
+                                        </p:tgtEl>
+                                        <p:attrNameLst>
+                                          <p:attrName>ppt_y</p:attrName>
+                                        </p:attrNameLst>
+                                      </p:cBhvr>
+                                      <p:tavLst>
+                                        <p:tav tm="0" fmla="#ppt_y+(-#ppt_h/2*cos(ppt_r/180*pi))*((1.5-1.5*$)^2-(1.5-1.5*$)^3)">
+                                          <p:val>
+                                            <p:fltVal val="0"/>
+                                          </p:val>
+                                        </p:tav>
+                                        <p:tav tm="100000">
+                                          <p:val>
+                                            <p:fltVal val="1"/>
+                                          </p:val>
+                                        </p:tav>
+                                      </p:tavLst>
+                                    </p:anim>
+                                    <p:anim to="" calcmode="lin" valueType="num">
+                                      <p:cBhvr>
+                                        <p:cTn id="9" dur="700" fill="hold">
+                                          <p:stCondLst>
+                                            <p:cond delay="0"/>
+                                          </p:stCondLst>
+                                        </p:cTn>
+                                        <p:tgtEl>
+                                          <p:spTgt spid="2"/>
+                                        </p:tgtEl>
+                                        <p:attrNameLst>
+                                          <p:attrName>ppt_h</p:attrName>
+                                        </p:attrNameLst>
+                                      </p:cBhvr>
+                                      <p:tavLst>
+                                        <p:tav tm="0" fmla="#ppt_h-(-#ppt_h)*((1.5-1.5*$)^2-(1.5-1.5*$)^3)">
+                                          <p:val>
+                                            <p:fltVal val="0"/>
+                                          </p:val>
+                                        </p:tav>
+                                        <p:tav tm="100000">
+                                          <p:val>
+                                            <p:fltVal val="1"/>
+                                          </p:val>
+                                        </p:tav>
+                                      </p:tavLst>
+                                    </p:anim>
+                                    <p:anim to="" calcmode="lin" valueType="num">
+                                      <p:cBhvr>
+                                        <p:cTn id="10" dur="700" fill="hold">
+                                          <p:stCondLst>
+                                            <p:cond delay="0"/>
+                                          </p:stCondLst>
+                                        </p:cTn>
+                                        <p:tgtEl>
+                                          <p:spTgt spid="2"/>
+                                        </p:tgtEl>
+                                        <p:attrNameLst>
+                                          <p:attrName>ppt_w</p:attrName>
+                                        </p:attrNameLst>
+                                      </p:cBhvr>
+                                      <p:tavLst>
+                                        <p:tav tm="0" fmla="#ppt_w-(-#ppt_w)*((1.5-1.5*$)^2-(1.5-1.5*$)^3)">
+                                          <p:val>
+                                            <p:fltVal val="0"/>
+                                          </p:val>
+                                        </p:tav>
+                                        <p:tav tm="100000">
+                                          <p:val>
+                                            <p:fltVal val="1"/>
+                                          </p:val>
+                                        </p:tav>
+                                      </p:tavLst>
+                                    </p:anim>
+                                  </p:childTnLst>
+                                </p:cTn>
+                              </p:par>
+                              <p:par>
+                                <p:cTn id="11" presetID="0" presetClass="entr" presetSubtype="0" fill="hold" grpId="0" nodeType="withEffect">
+                                  <p:stCondLst>
+                                    <p:cond delay="0"/>
+                                  </p:stCondLst>
+                                  <p:iterate type="lt">
+                                    <p:tmPct val="10000"/>
+                                  </p:iterate>
+                                  <p:childTnLst>
+                                    <p:set>
+                                      <p:cBhvr>
+                                        <p:cTn id="12" dur="1" fill="hold">
+                                          <p:stCondLst>
+                                            <p:cond delay="0"/>
+                                          </p:stCondLst>
+                                        </p:cTn>
+                                        <p:tgtEl>
+                                          <p:spTgt spid="13"/>
+                                        </p:tgtEl>
+                                        <p:attrNameLst>
+                                          <p:attrName>style.visibility</p:attrName>
+                                        </p:attrNameLst>
+                                      </p:cBhvr>
+                                      <p:to>
+                                        <p:strVal val="visible"/>
+                                      </p:to>
+                                    </p:set>
+                                    <p:anim to="" calcmode="lin" valueType="num">
+                                      <p:cBhvr>
+                                        <p:cTn id="13" dur="700" fill="hold">
+                                          <p:stCondLst>
+                                            <p:cond delay="0"/>
+                                          </p:stCondLst>
+                                        </p:cTn>
+                                        <p:tgtEl>
+                                          <p:spTgt spid="13"/>
+                                        </p:tgtEl>
+                                        <p:attrNameLst>
+                                          <p:attrName>ppt_x</p:attrName>
+                                        </p:attrNameLst>
+                                      </p:cBhvr>
+                                      <p:tavLst>
+                                        <p:tav tm="0" fmla="#ppt_x-(-#ppt_w/2*cos(ppt_r/180*pi))*((1.5-1.5*$)^2-(1.5-1.5*$)^3)">
+                                          <p:val>
+                                            <p:fltVal val="0"/>
+                                          </p:val>
+                                        </p:tav>
+                                        <p:tav tm="100000">
+                                          <p:val>
+                                            <p:fltVal val="1"/>
+                                          </p:val>
+                                        </p:tav>
+                                      </p:tavLst>
+                                    </p:anim>
+                                    <p:anim to="" calcmode="lin" valueType="num">
+                                      <p:cBhvr>
+                                        <p:cTn id="14" dur="700" fill="hold">
+                                          <p:stCondLst>
+                                            <p:cond delay="0"/>
+                                          </p:stCondLst>
+                                        </p:cTn>
+                                        <p:tgtEl>
+                                          <p:spTgt spid="13"/>
+                                        </p:tgtEl>
+                                        <p:attrNameLst>
+                                          <p:attrName>ppt_y</p:attrName>
+                                        </p:attrNameLst>
+                                      </p:cBhvr>
+                                      <p:tavLst>
+                                        <p:tav tm="0" fmla="#ppt_y+(-#ppt_h/2*cos(ppt_r/180*pi))*((1.5-1.5*$)^2-(1.5-1.5*$)^3)">
+                                          <p:val>
+                                            <p:fltVal val="0"/>
+                                          </p:val>
+                                        </p:tav>
+                                        <p:tav tm="100000">
+                                          <p:val>
+                                            <p:fltVal val="1"/>
+                                          </p:val>
+                                        </p:tav>
+                                      </p:tavLst>
+                                    </p:anim>
+                                    <p:anim to="" calcmode="lin" valueType="num">
+                                      <p:cBhvr>
+                                        <p:cTn id="15" dur="700" fill="hold">
+                                          <p:stCondLst>
+                                            <p:cond delay="0"/>
+                                          </p:stCondLst>
+                                        </p:cTn>
+                                        <p:tgtEl>
+                                          <p:spTgt spid="13"/>
+                                        </p:tgtEl>
+                                        <p:attrNameLst>
+                                          <p:attrName>ppt_h</p:attrName>
+                                        </p:attrNameLst>
+                                      </p:cBhvr>
+                                      <p:tavLst>
+                                        <p:tav tm="0" fmla="#ppt_h-(-#ppt_h)*((1.5-1.5*$)^2-(1.5-1.5*$)^3)">
+                                          <p:val>
+                                            <p:fltVal val="0"/>
+                                          </p:val>
+                                        </p:tav>
+                                        <p:tav tm="100000">
+                                          <p:val>
+                                            <p:fltVal val="1"/>
+                                          </p:val>
+                                        </p:tav>
+                                      </p:tavLst>
+                                    </p:anim>
+                                    <p:anim to="" calcmode="lin" valueType="num">
+                                      <p:cBhvr>
+                                        <p:cTn id="16" dur="700" fill="hold">
+                                          <p:stCondLst>
+                                            <p:cond delay="0"/>
+                                          </p:stCondLst>
+                                        </p:cTn>
+                                        <p:tgtEl>
+                                          <p:spTgt spid="13"/>
+                                        </p:tgtEl>
+                                        <p:attrNameLst>
+                                          <p:attrName>ppt_w</p:attrName>
+                                        </p:attrNameLst>
+                                      </p:cBhvr>
+                                      <p:tavLst>
+                                        <p:tav tm="0" fmla="#ppt_w-(-#ppt_w)*((1.5-1.5*$)^2-(1.5-1.5*$)^3)">
+                                          <p:val>
+                                            <p:fltVal val="0"/>
+                                          </p:val>
+                                        </p:tav>
+                                        <p:tav tm="100000">
+                                          <p:val>
+                                            <p:fltVal val="1"/>
+                                          </p:val>
+                                        </p:tav>
+                                      </p:tavLst>
+                                    </p:anim>
+                                  </p:childTnLst>
+                                </p:cTn>
+                              </p:par>
+                            </p:childTnLst>
+                          </p:cTn>
+                        </p:par>
+                      </p:childTnLst>
+                    </p:cTn>
+                  </p:par>
+                </p:childTnLst>
+              </p:cTn>
+              <p:prevCondLst>
+                <p:cond evt="onPrev" delay="0">
+                  <p:tgtEl>
+                    <p:sldTgt/>
+                  </p:tgtEl>
+                </p:cond>
+              </p:prevCondLst>
+              <p:nextCondLst>
+                <p:cond evt="onNext" delay="0">
+                  <p:tgtEl>
+                    <p:sldTgt/>
+                  </p:tgtEl>
+                </p:cond>
+              </p:nextCondLst>
+            </p:seq>
+          </p:childTnLst>
+        </p:cTn>
+      </p:par>
+    </p:tnLst>
+    <p:bldLst>
+      <p:bldP spid="13" grpId="0"/>
+    </p:bldLst>
+  </p:timing>
+</p:sld>
+</file>
+
+<file path=ppt/slides/slide12.xml><?xml version="1.0" encoding="utf-8"?>
+<p:sld xmlns:a="http://schemas.openxmlformats.org/drawingml/2006/main" xmlns:r="http://schemas.openxmlformats.org/officeDocument/2006/relationships" xmlns:p="http://schemas.openxmlformats.org/presentationml/2006/main">
+  <p:cSld>
+    <p:spTree>
+      <p:nvGrpSpPr>
+        <p:cNvPr id="1" name=""/>
+        <p:cNvGrpSpPr/>
+        <p:nvPr/>
+      </p:nvGrpSpPr>
+      <p:grpSpPr>
+        <a:xfrm>
+          <a:off x="0" y="0"/>
+          <a:ext cx="0" cy="0"/>
+          <a:chOff x="0" y="0"/>
+          <a:chExt cx="0" cy="0"/>
+        </a:xfrm>
+      </p:grpSpPr>
+      <p:grpSp>
+        <p:nvGrpSpPr>
+          <p:cNvPr id="2" name="PA_组合 47"/>
+          <p:cNvGrpSpPr/>
+          <p:nvPr>
+            <p:custDataLst>
+              <p:tags r:id="rId1"/>
+            </p:custDataLst>
+          </p:nvPr>
+        </p:nvGrpSpPr>
+        <p:grpSpPr>
+          <a:xfrm>
+            <a:off x="554877" y="932724"/>
+            <a:ext cx="1199456" cy="74689"/>
+            <a:chOff x="0" y="2842590"/>
+            <a:chExt cx="7054752" cy="89199"/>
+          </a:xfrm>
+        </p:grpSpPr>
+        <p:sp>
+          <p:nvSpPr>
+            <p:cNvPr id="49" name="矩形 48"/>
+            <p:cNvSpPr/>
+            <p:nvPr/>
+          </p:nvSpPr>
+          <p:spPr>
+            <a:xfrm>
+              <a:off x="0" y="2842590"/>
+              <a:ext cx="1763688" cy="89199"/>
+            </a:xfrm>
+            <a:prstGeom prst="rect">
+              <a:avLst/>
+            </a:prstGeom>
+            <a:solidFill>
+              <a:schemeClr val="accent1"/>
+            </a:solidFill>
+            <a:ln>
+              <a:noFill/>
+            </a:ln>
+          </p:spPr>
+          <p:style>
+            <a:lnRef idx="2">
+              <a:schemeClr val="accent1">
+                <a:shade val="50000"/>
+              </a:schemeClr>
+            </a:lnRef>
+            <a:fillRef idx="1">
+              <a:schemeClr val="accent1"/>
+            </a:fillRef>
+            <a:effectRef idx="0">
+              <a:schemeClr val="accent1"/>
+            </a:effectRef>
+            <a:fontRef idx="minor">
+              <a:schemeClr val="lt1"/>
+            </a:fontRef>
+          </p:style>
+          <p:txBody>
+            <a:bodyPr rtlCol="0" anchor="ctr"/>
+            <a:lstStyle/>
+            <a:p>
+              <a:pPr algn="ctr" defTabSz="1218565"/>
+              <a:endParaRPr lang="zh-CN" altLang="en-US" sz="2400">
+                <a:solidFill>
+                  <a:srgbClr val="FFFFFF"/>
+                </a:solidFill>
+                <a:latin typeface="Calibri" panose="020F0502020204030204"/>
+                <a:ea typeface="宋体" panose="02010600030101010101" pitchFamily="2" charset="-122"/>
+              </a:endParaRPr>
+            </a:p>
+          </p:txBody>
+        </p:sp>
+        <p:sp>
+          <p:nvSpPr>
+            <p:cNvPr id="50" name="矩形 49"/>
+            <p:cNvSpPr/>
+            <p:nvPr/>
+          </p:nvSpPr>
+          <p:spPr>
+            <a:xfrm>
+              <a:off x="1763688" y="2842590"/>
+              <a:ext cx="1763688" cy="89199"/>
+            </a:xfrm>
+            <a:prstGeom prst="rect">
+              <a:avLst/>
+            </a:prstGeom>
+            <a:solidFill>
+              <a:schemeClr val="accent2"/>
+            </a:solidFill>
+            <a:ln>
+              <a:noFill/>
+            </a:ln>
+          </p:spPr>
+          <p:style>
+            <a:lnRef idx="2">
+              <a:schemeClr val="accent1">
+                <a:shade val="50000"/>
+              </a:schemeClr>
+            </a:lnRef>
+            <a:fillRef idx="1">
+              <a:schemeClr val="accent1"/>
+            </a:fillRef>
+            <a:effectRef idx="0">
+              <a:schemeClr val="accent1"/>
+            </a:effectRef>
+            <a:fontRef idx="minor">
+              <a:schemeClr val="lt1"/>
+            </a:fontRef>
+          </p:style>
+          <p:txBody>
+            <a:bodyPr rtlCol="0" anchor="ctr"/>
+            <a:lstStyle/>
+            <a:p>
+              <a:pPr algn="ctr" defTabSz="1218565"/>
+              <a:endParaRPr lang="zh-CN" altLang="en-US" sz="2400">
+                <a:solidFill>
+                  <a:srgbClr val="FFFFFF"/>
+                </a:solidFill>
+                <a:latin typeface="Calibri" panose="020F0502020204030204"/>
+                <a:ea typeface="宋体" panose="02010600030101010101" pitchFamily="2" charset="-122"/>
+              </a:endParaRPr>
+            </a:p>
+          </p:txBody>
+        </p:sp>
+        <p:sp>
+          <p:nvSpPr>
+            <p:cNvPr id="51" name="矩形 50"/>
+            <p:cNvSpPr/>
+            <p:nvPr/>
+          </p:nvSpPr>
+          <p:spPr>
+            <a:xfrm>
+              <a:off x="3527376" y="2842590"/>
+              <a:ext cx="1763688" cy="89199"/>
+            </a:xfrm>
+            <a:prstGeom prst="rect">
+              <a:avLst/>
+            </a:prstGeom>
+            <a:solidFill>
+              <a:schemeClr val="accent3"/>
+            </a:solidFill>
+            <a:ln>
+              <a:noFill/>
+            </a:ln>
+          </p:spPr>
+          <p:style>
+            <a:lnRef idx="2">
+              <a:schemeClr val="accent1">
+                <a:shade val="50000"/>
+              </a:schemeClr>
+            </a:lnRef>
+            <a:fillRef idx="1">
+              <a:schemeClr val="accent1"/>
+            </a:fillRef>
+            <a:effectRef idx="0">
+              <a:schemeClr val="accent1"/>
+            </a:effectRef>
+            <a:fontRef idx="minor">
+              <a:schemeClr val="lt1"/>
+            </a:fontRef>
+          </p:style>
+          <p:txBody>
+            <a:bodyPr rtlCol="0" anchor="ctr"/>
+            <a:lstStyle/>
+            <a:p>
+              <a:pPr algn="ctr" defTabSz="1218565"/>
+              <a:endParaRPr lang="zh-CN" altLang="en-US" sz="2400">
+                <a:solidFill>
+                  <a:srgbClr val="FFFFFF"/>
+                </a:solidFill>
+                <a:latin typeface="Calibri" panose="020F0502020204030204"/>
+                <a:ea typeface="宋体" panose="02010600030101010101" pitchFamily="2" charset="-122"/>
+              </a:endParaRPr>
+            </a:p>
+          </p:txBody>
+        </p:sp>
+        <p:sp>
+          <p:nvSpPr>
+            <p:cNvPr id="52" name="矩形 51"/>
+            <p:cNvSpPr/>
+            <p:nvPr/>
+          </p:nvSpPr>
+          <p:spPr>
+            <a:xfrm>
+              <a:off x="5291064" y="2842590"/>
+              <a:ext cx="1763688" cy="89199"/>
+            </a:xfrm>
+            <a:prstGeom prst="rect">
+              <a:avLst/>
+            </a:prstGeom>
+            <a:solidFill>
+              <a:schemeClr val="accent4"/>
+            </a:solidFill>
+            <a:ln>
+              <a:noFill/>
+            </a:ln>
+          </p:spPr>
+          <p:style>
+            <a:lnRef idx="2">
+              <a:schemeClr val="accent1">
+                <a:shade val="50000"/>
+              </a:schemeClr>
+            </a:lnRef>
+            <a:fillRef idx="1">
+              <a:schemeClr val="accent1"/>
+            </a:fillRef>
+            <a:effectRef idx="0">
+              <a:schemeClr val="accent1"/>
+            </a:effectRef>
+            <a:fontRef idx="minor">
+              <a:schemeClr val="lt1"/>
+            </a:fontRef>
+          </p:style>
+          <p:txBody>
+            <a:bodyPr rtlCol="0" anchor="ctr"/>
+            <a:lstStyle/>
+            <a:p>
+              <a:pPr algn="ctr" defTabSz="1218565"/>
+              <a:endParaRPr lang="zh-CN" altLang="en-US" sz="2400">
+                <a:solidFill>
+                  <a:srgbClr val="FFFFFF"/>
+                </a:solidFill>
+                <a:latin typeface="Calibri" panose="020F0502020204030204"/>
+                <a:ea typeface="宋体" panose="02010600030101010101" pitchFamily="2" charset="-122"/>
+              </a:endParaRPr>
+            </a:p>
+          </p:txBody>
+        </p:sp>
+      </p:grpSp>
+      <p:sp>
+        <p:nvSpPr>
+          <p:cNvPr id="13" name="PA_矩形 39"/>
+          <p:cNvSpPr>
+            <a:spLocks noChangeArrowheads="1"/>
+          </p:cNvSpPr>
+          <p:nvPr>
+            <p:custDataLst>
+              <p:tags r:id="rId2"/>
+            </p:custDataLst>
+          </p:nvPr>
+        </p:nvSpPr>
+        <p:spPr bwMode="auto">
+          <a:xfrm>
+            <a:off x="554879" y="371042"/>
+            <a:ext cx="5388721" cy="410210"/>
+          </a:xfrm>
+          <a:prstGeom prst="rect">
+            <a:avLst/>
+          </a:prstGeom>
+          <a:noFill/>
+          <a:ln>
+            <a:noFill/>
+          </a:ln>
+          <a:extLst>
+            <a:ext uri="{909E8E84-426E-40DD-AFC4-6F175D3DCCD1}">
+              <a14:hiddenFill xmlns:a14="http://schemas.microsoft.com/office/drawing/2010/main">
+                <a:solidFill>
+                  <a:srgbClr val="FFFFFF"/>
+                </a:solidFill>
+              </a14:hiddenFill>
+            </a:ext>
+            <a:ext uri="{91240B29-F687-4F45-9708-019B960494DF}">
+              <a14:hiddenLine xmlns:a14="http://schemas.microsoft.com/office/drawing/2010/main" w="9525">
+                <a:solidFill>
+                  <a:srgbClr val="000000"/>
+                </a:solidFill>
+                <a:miter lim="800000"/>
+                <a:headEnd/>
+                <a:tailEnd/>
+              </a14:hiddenLine>
+            </a:ext>
+          </a:extLst>
+        </p:spPr>
+        <p:txBody>
+          <a:bodyPr wrap="square" lIns="0" tIns="0" rIns="0" bIns="0">
+            <a:spAutoFit/>
+          </a:bodyPr>
+          <a:lstStyle/>
+          <a:p>
+            <a:pPr defTabSz="1218565"/>
+            <a:r>
+              <a:rPr lang="zh-CN" altLang="en-US" sz="2665" dirty="0" smtClean="0">
+                <a:solidFill>
+                  <a:srgbClr val="1D69A3"/>
+                </a:solidFill>
+                <a:latin typeface="微软雅黑" panose="020B0503020204020204" pitchFamily="34" charset="-122"/>
+                <a:ea typeface="微软雅黑" panose="020B0503020204020204" pitchFamily="34" charset="-122"/>
+              </a:rPr>
+              <a:t>布局对比总结</a:t>
+            </a:r>
+            <a:endParaRPr lang="zh-CN" altLang="en-US" sz="2665" dirty="0" smtClean="0">
+              <a:solidFill>
+                <a:srgbClr val="1D69A3"/>
+              </a:solidFill>
+              <a:latin typeface="微软雅黑" panose="020B0503020204020204" pitchFamily="34" charset="-122"/>
+              <a:ea typeface="微软雅黑" panose="020B0503020204020204" pitchFamily="34" charset="-122"/>
+            </a:endParaRPr>
+          </a:p>
+        </p:txBody>
+      </p:sp>
+      <p:graphicFrame>
+        <p:nvGraphicFramePr>
+          <p:cNvPr id="3" name="表格 2"/>
+          <p:cNvGraphicFramePr/>
+          <p:nvPr/>
+        </p:nvGraphicFramePr>
+        <p:xfrm>
+          <a:off x="32385" y="1202690"/>
+          <a:ext cx="12159615" cy="4402455"/>
+        </p:xfrm>
+        <a:graphic>
+          <a:graphicData uri="http://schemas.openxmlformats.org/drawingml/2006/table">
+            <a:tbl>
+              <a:tblPr firstRow="1" bandRow="1">
+                <a:tableStyleId>{5C22544A-7EE6-4342-B048-85BDC9FD1C3A}</a:tableStyleId>
+              </a:tblPr>
+              <a:tblGrid>
+                <a:gridCol w="972185"/>
+                <a:gridCol w="1558290"/>
+                <a:gridCol w="1558925"/>
+                <a:gridCol w="1759585"/>
+                <a:gridCol w="1376045"/>
+                <a:gridCol w="1365885"/>
+                <a:gridCol w="1740535"/>
+                <a:gridCol w="1828165"/>
+              </a:tblGrid>
+              <a:tr h="1301750">
+                <a:tc>
+                  <a:txBody>
+                    <a:bodyPr/>
+                    <a:p>
+                      <a:pPr algn="ctr">
+                        <a:buNone/>
+                      </a:pPr>
+                      <a:endParaRPr lang="zh-CN" altLang="en-US" sz="1600"/>
+                    </a:p>
+                  </a:txBody>
+                  <a:tcPr anchor="ctr" anchorCtr="0">
+                    <a:solidFill>
+                      <a:schemeClr val="accent5"/>
+                    </a:solidFill>
+                  </a:tcPr>
+                </a:tc>
+                <a:tc>
+                  <a:txBody>
+                    <a:bodyPr/>
+                    <a:p>
+                      <a:pPr algn="ctr">
+                        <a:buNone/>
+                      </a:pPr>
+                      <a:r>
+                        <a:rPr lang="en-US" altLang="zh-CN" sz="1600"/>
+                        <a:t>FrameLayout</a:t>
+                      </a:r>
+                      <a:endParaRPr lang="en-US" altLang="zh-CN" sz="1600"/>
+                    </a:p>
+                  </a:txBody>
+                  <a:tcPr anchor="ctr" anchorCtr="0">
+                    <a:solidFill>
+                      <a:schemeClr val="accent5"/>
+                    </a:solidFill>
+                  </a:tcPr>
+                </a:tc>
+                <a:tc>
+                  <a:txBody>
+                    <a:bodyPr/>
+                    <a:p>
+                      <a:pPr algn="ctr">
+                        <a:buNone/>
+                      </a:pPr>
+                      <a:r>
+                        <a:rPr lang="en-US" altLang="zh-CN" sz="1600"/>
+                        <a:t>LinearLayout</a:t>
+                      </a:r>
+                      <a:endParaRPr lang="en-US" altLang="zh-CN" sz="1600"/>
+                    </a:p>
+                  </a:txBody>
+                  <a:tcPr anchor="ctr" anchorCtr="0">
+                    <a:solidFill>
+                      <a:schemeClr val="accent5"/>
+                    </a:solidFill>
+                  </a:tcPr>
+                </a:tc>
+                <a:tc>
+                  <a:txBody>
+                    <a:bodyPr/>
+                    <a:p>
+                      <a:pPr algn="ctr">
+                        <a:buNone/>
+                      </a:pPr>
+                      <a:r>
+                        <a:rPr lang="en-US" altLang="zh-CN" sz="1600"/>
+                        <a:t>RelativeLayout</a:t>
+                      </a:r>
+                      <a:endParaRPr lang="en-US" altLang="zh-CN" sz="1600"/>
+                    </a:p>
+                  </a:txBody>
+                  <a:tcPr anchor="ctr" anchorCtr="0">
+                    <a:solidFill>
+                      <a:schemeClr val="accent5"/>
+                    </a:solidFill>
+                  </a:tcPr>
+                </a:tc>
+                <a:tc>
+                  <a:txBody>
+                    <a:bodyPr/>
+                    <a:p>
+                      <a:pPr algn="ctr">
+                        <a:buNone/>
+                      </a:pPr>
+                      <a:r>
+                        <a:rPr lang="en-US" altLang="zh-CN" sz="1600"/>
+                        <a:t>TableLayout</a:t>
+                      </a:r>
+                      <a:endParaRPr lang="en-US" altLang="zh-CN" sz="1600"/>
+                    </a:p>
+                  </a:txBody>
+                  <a:tcPr anchor="ctr" anchorCtr="0">
+                    <a:solidFill>
+                      <a:schemeClr val="accent5"/>
+                    </a:solidFill>
+                  </a:tcPr>
+                </a:tc>
+                <a:tc>
+                  <a:txBody>
+                    <a:bodyPr/>
+                    <a:p>
+                      <a:pPr algn="ctr">
+                        <a:buNone/>
+                      </a:pPr>
+                      <a:r>
+                        <a:rPr lang="en-US" altLang="zh-CN" sz="1600"/>
+                        <a:t>GridLayout</a:t>
+                      </a:r>
+                      <a:endParaRPr lang="en-US" altLang="zh-CN" sz="1600"/>
+                    </a:p>
+                  </a:txBody>
+                  <a:tcPr anchor="ctr" anchorCtr="0">
+                    <a:solidFill>
+                      <a:schemeClr val="accent5"/>
+                    </a:solidFill>
+                  </a:tcPr>
+                </a:tc>
+                <a:tc>
+                  <a:txBody>
+                    <a:bodyPr/>
+                    <a:p>
+                      <a:pPr algn="ctr">
+                        <a:buNone/>
+                      </a:pPr>
+                      <a:r>
+                        <a:rPr lang="en-US" altLang="zh-CN" sz="1600"/>
+                        <a:t>AbsoluteLayout</a:t>
+                      </a:r>
+                      <a:endParaRPr lang="en-US" altLang="zh-CN" sz="1600"/>
+                    </a:p>
+                  </a:txBody>
+                  <a:tcPr anchor="ctr" anchorCtr="0">
+                    <a:solidFill>
+                      <a:schemeClr val="accent5"/>
+                    </a:solidFill>
+                  </a:tcPr>
+                </a:tc>
+                <a:tc>
+                  <a:txBody>
+                    <a:bodyPr/>
+                    <a:p>
+                      <a:pPr algn="ctr">
+                        <a:buNone/>
+                      </a:pPr>
+                      <a:r>
+                        <a:rPr lang="en-US" altLang="zh-CN" sz="1600"/>
+                        <a:t>ConstraintLayout</a:t>
+                      </a:r>
+                      <a:endParaRPr lang="en-US" altLang="zh-CN" sz="1600"/>
+                    </a:p>
+                  </a:txBody>
+                  <a:tcPr anchor="ctr" anchorCtr="0">
+                    <a:solidFill>
+                      <a:schemeClr val="accent5"/>
+                    </a:solidFill>
+                  </a:tcPr>
+                </a:tc>
+              </a:tr>
+              <a:tr h="775335">
+                <a:tc>
+                  <a:txBody>
+                    <a:bodyPr/>
+                    <a:p>
+                      <a:pPr>
+                        <a:buNone/>
+                      </a:pPr>
+                      <a:r>
+                        <a:rPr lang="zh-CN" altLang="en-US">
+                          <a:solidFill>
+                            <a:schemeClr val="accent1"/>
+                          </a:solidFill>
+                        </a:rPr>
+                        <a:t>表现力</a:t>
+                      </a:r>
+                      <a:endParaRPr lang="zh-CN" altLang="en-US">
+                        <a:solidFill>
+                          <a:schemeClr val="accent1"/>
+                        </a:solidFill>
+                      </a:endParaRPr>
+                    </a:p>
+                  </a:txBody>
+                  <a:tcPr anchor="ctr" anchorCtr="0"/>
+                </a:tc>
+                <a:tc>
+                  <a:txBody>
+                    <a:bodyPr/>
+                    <a:p>
+                      <a:pPr algn="ctr">
+                        <a:buNone/>
+                      </a:pPr>
+                      <a:r>
+                        <a:rPr lang="en-US" altLang="zh-CN">
+                          <a:solidFill>
+                            <a:schemeClr val="accent2"/>
+                          </a:solidFill>
+                        </a:rPr>
+                        <a:t>1</a:t>
+                      </a:r>
+                      <a:endParaRPr lang="en-US" altLang="zh-CN">
+                        <a:solidFill>
+                          <a:schemeClr val="accent2"/>
+                        </a:solidFill>
+                      </a:endParaRPr>
+                    </a:p>
+                  </a:txBody>
+                  <a:tcPr anchor="ctr" anchorCtr="0"/>
+                </a:tc>
+                <a:tc>
+                  <a:txBody>
+                    <a:bodyPr/>
+                    <a:p>
+                      <a:pPr algn="ctr">
+                        <a:buNone/>
+                      </a:pPr>
+                      <a:r>
+                        <a:rPr lang="en-US" altLang="zh-CN">
+                          <a:solidFill>
+                            <a:schemeClr val="accent2"/>
+                          </a:solidFill>
+                        </a:rPr>
+                        <a:t>2</a:t>
+                      </a:r>
+                      <a:endParaRPr lang="en-US" altLang="zh-CN">
+                        <a:solidFill>
+                          <a:schemeClr val="accent2"/>
+                        </a:solidFill>
+                      </a:endParaRPr>
+                    </a:p>
+                  </a:txBody>
+                  <a:tcPr anchor="ctr" anchorCtr="0"/>
+                </a:tc>
+                <a:tc>
+                  <a:txBody>
+                    <a:bodyPr/>
+                    <a:p>
+                      <a:pPr algn="ctr">
+                        <a:buNone/>
+                      </a:pPr>
+                      <a:r>
+                        <a:rPr lang="en-US" altLang="zh-CN" sz="1600" b="1">
+                          <a:solidFill>
+                            <a:schemeClr val="accent2"/>
+                          </a:solidFill>
+                        </a:rPr>
+                        <a:t>4</a:t>
+                      </a:r>
+                      <a:endParaRPr lang="en-US" altLang="zh-CN" sz="1600" b="1">
+                        <a:solidFill>
+                          <a:schemeClr val="accent2"/>
+                        </a:solidFill>
+                      </a:endParaRPr>
+                    </a:p>
+                  </a:txBody>
+                  <a:tcPr anchor="ctr" anchorCtr="0"/>
+                </a:tc>
+                <a:tc>
+                  <a:txBody>
+                    <a:bodyPr/>
+                    <a:p>
+                      <a:pPr algn="ctr">
+                        <a:buNone/>
+                      </a:pPr>
+                      <a:r>
+                        <a:rPr lang="en-US" altLang="zh-CN">
+                          <a:solidFill>
+                            <a:schemeClr val="accent2"/>
+                          </a:solidFill>
+                        </a:rPr>
+                        <a:t>2</a:t>
+                      </a:r>
+                      <a:endParaRPr lang="en-US" altLang="zh-CN">
+                        <a:solidFill>
+                          <a:schemeClr val="accent2"/>
+                        </a:solidFill>
+                      </a:endParaRPr>
+                    </a:p>
+                  </a:txBody>
+                  <a:tcPr anchor="ctr" anchorCtr="0"/>
+                </a:tc>
+                <a:tc>
+                  <a:txBody>
+                    <a:bodyPr/>
+                    <a:p>
+                      <a:pPr algn="ctr">
+                        <a:buNone/>
+                      </a:pPr>
+                      <a:r>
+                        <a:rPr lang="en-US" altLang="zh-CN">
+                          <a:solidFill>
+                            <a:schemeClr val="accent2"/>
+                          </a:solidFill>
+                        </a:rPr>
+                        <a:t>2.5</a:t>
+                      </a:r>
+                      <a:endParaRPr lang="en-US" altLang="zh-CN">
+                        <a:solidFill>
+                          <a:schemeClr val="accent2"/>
+                        </a:solidFill>
+                      </a:endParaRPr>
+                    </a:p>
+                  </a:txBody>
+                  <a:tcPr anchor="ctr" anchorCtr="0"/>
+                </a:tc>
+                <a:tc>
+                  <a:txBody>
+                    <a:bodyPr/>
+                    <a:p>
+                      <a:pPr algn="ctr">
+                        <a:buNone/>
+                      </a:pPr>
+                      <a:r>
+                        <a:rPr lang="en-US" altLang="zh-CN">
+                          <a:solidFill>
+                            <a:schemeClr val="accent2"/>
+                          </a:solidFill>
+                        </a:rPr>
+                        <a:t>-</a:t>
+                      </a:r>
+                      <a:endParaRPr lang="en-US" altLang="zh-CN">
+                        <a:solidFill>
+                          <a:schemeClr val="accent2"/>
+                        </a:solidFill>
+                      </a:endParaRPr>
+                    </a:p>
+                  </a:txBody>
+                  <a:tcPr anchor="ctr" anchorCtr="0"/>
+                </a:tc>
+                <a:tc>
+                  <a:txBody>
+                    <a:bodyPr/>
+                    <a:p>
+                      <a:pPr algn="ctr">
+                        <a:buNone/>
+                      </a:pPr>
+                      <a:r>
+                        <a:rPr lang="en-US" altLang="zh-CN">
+                          <a:solidFill>
+                            <a:schemeClr val="accent2"/>
+                          </a:solidFill>
+                        </a:rPr>
+                        <a:t>5</a:t>
+                      </a:r>
+                      <a:endParaRPr lang="en-US" altLang="zh-CN">
+                        <a:solidFill>
+                          <a:schemeClr val="accent2"/>
+                        </a:solidFill>
+                      </a:endParaRPr>
+                    </a:p>
+                  </a:txBody>
+                  <a:tcPr anchor="ctr" anchorCtr="0"/>
+                </a:tc>
+              </a:tr>
+              <a:tr h="775335">
+                <a:tc>
+                  <a:txBody>
+                    <a:bodyPr/>
+                    <a:p>
+                      <a:pPr>
+                        <a:buNone/>
+                      </a:pPr>
+                      <a:r>
+                        <a:rPr lang="zh-CN" altLang="en-US">
+                          <a:solidFill>
+                            <a:schemeClr val="accent6"/>
+                          </a:solidFill>
+                        </a:rPr>
+                        <a:t>性能</a:t>
+                      </a:r>
+                      <a:endParaRPr lang="zh-CN" altLang="en-US">
+                        <a:solidFill>
+                          <a:schemeClr val="accent6"/>
+                        </a:solidFill>
+                      </a:endParaRPr>
+                    </a:p>
+                  </a:txBody>
+                  <a:tcPr anchor="ctr" anchorCtr="0"/>
+                </a:tc>
+                <a:tc>
+                  <a:txBody>
+                    <a:bodyPr/>
+                    <a:p>
+                      <a:pPr algn="ctr">
+                        <a:buNone/>
+                      </a:pPr>
+                      <a:r>
+                        <a:rPr lang="en-US" altLang="zh-CN">
+                          <a:solidFill>
+                            <a:schemeClr val="accent2"/>
+                          </a:solidFill>
+                        </a:rPr>
+                        <a:t>5</a:t>
+                      </a:r>
+                      <a:endParaRPr lang="en-US" altLang="zh-CN">
+                        <a:solidFill>
+                          <a:schemeClr val="accent2"/>
+                        </a:solidFill>
+                      </a:endParaRPr>
+                    </a:p>
+                  </a:txBody>
+                  <a:tcPr anchor="ctr" anchorCtr="0"/>
+                </a:tc>
+                <a:tc>
+                  <a:txBody>
+                    <a:bodyPr/>
+                    <a:p>
+                      <a:pPr algn="ctr">
+                        <a:buNone/>
+                      </a:pPr>
+                      <a:r>
+                        <a:rPr lang="en-US" altLang="zh-CN">
+                          <a:solidFill>
+                            <a:schemeClr val="accent2"/>
+                          </a:solidFill>
+                        </a:rPr>
+                        <a:t>4</a:t>
+                      </a:r>
+                      <a:endParaRPr lang="en-US" altLang="zh-CN">
+                        <a:solidFill>
+                          <a:schemeClr val="accent2"/>
+                        </a:solidFill>
+                      </a:endParaRPr>
+                    </a:p>
+                  </a:txBody>
+                  <a:tcPr anchor="ctr" anchorCtr="0"/>
+                </a:tc>
+                <a:tc>
+                  <a:txBody>
+                    <a:bodyPr/>
+                    <a:p>
+                      <a:pPr algn="ctr">
+                        <a:buNone/>
+                      </a:pPr>
+                      <a:r>
+                        <a:rPr lang="en-US" altLang="zh-CN">
+                          <a:solidFill>
+                            <a:schemeClr val="accent2"/>
+                          </a:solidFill>
+                        </a:rPr>
+                        <a:t>1</a:t>
+                      </a:r>
+                      <a:endParaRPr lang="en-US" altLang="zh-CN">
+                        <a:solidFill>
+                          <a:schemeClr val="accent2"/>
+                        </a:solidFill>
+                      </a:endParaRPr>
+                    </a:p>
+                  </a:txBody>
+                  <a:tcPr anchor="ctr" anchorCtr="0"/>
+                </a:tc>
+                <a:tc>
+                  <a:txBody>
+                    <a:bodyPr/>
+                    <a:p>
+                      <a:pPr algn="ctr">
+                        <a:buNone/>
+                      </a:pPr>
+                      <a:r>
+                        <a:rPr lang="en-US" altLang="zh-CN">
+                          <a:solidFill>
+                            <a:schemeClr val="accent2"/>
+                          </a:solidFill>
+                        </a:rPr>
+                        <a:t>3</a:t>
+                      </a:r>
+                      <a:endParaRPr lang="en-US" altLang="zh-CN">
+                        <a:solidFill>
+                          <a:schemeClr val="accent2"/>
+                        </a:solidFill>
+                      </a:endParaRPr>
+                    </a:p>
+                  </a:txBody>
+                  <a:tcPr anchor="ctr" anchorCtr="0"/>
+                </a:tc>
+                <a:tc>
+                  <a:txBody>
+                    <a:bodyPr/>
+                    <a:p>
+                      <a:pPr algn="ctr">
+                        <a:buNone/>
+                      </a:pPr>
+                      <a:r>
+                        <a:rPr lang="en-US" altLang="zh-CN">
+                          <a:solidFill>
+                            <a:schemeClr val="accent2"/>
+                          </a:solidFill>
+                        </a:rPr>
+                        <a:t>3</a:t>
+                      </a:r>
+                      <a:endParaRPr lang="en-US" altLang="zh-CN">
+                        <a:solidFill>
+                          <a:schemeClr val="accent2"/>
+                        </a:solidFill>
+                      </a:endParaRPr>
+                    </a:p>
+                  </a:txBody>
+                  <a:tcPr anchor="ctr" anchorCtr="0"/>
+                </a:tc>
+                <a:tc>
+                  <a:txBody>
+                    <a:bodyPr/>
+                    <a:p>
+                      <a:pPr algn="ctr">
+                        <a:buNone/>
+                      </a:pPr>
+                      <a:r>
+                        <a:rPr lang="en-US" altLang="zh-CN">
+                          <a:solidFill>
+                            <a:schemeClr val="accent2"/>
+                          </a:solidFill>
+                        </a:rPr>
+                        <a:t>-</a:t>
+                      </a:r>
+                      <a:endParaRPr lang="en-US" altLang="zh-CN">
+                        <a:solidFill>
+                          <a:schemeClr val="accent2"/>
+                        </a:solidFill>
+                      </a:endParaRPr>
+                    </a:p>
+                  </a:txBody>
+                  <a:tcPr anchor="ctr" anchorCtr="0"/>
+                </a:tc>
+                <a:tc>
+                  <a:txBody>
+                    <a:bodyPr/>
+                    <a:p>
+                      <a:pPr algn="ctr">
+                        <a:buNone/>
+                      </a:pPr>
+                      <a:r>
+                        <a:rPr lang="en-US" altLang="zh-CN">
+                          <a:solidFill>
+                            <a:schemeClr val="accent2"/>
+                          </a:solidFill>
+                        </a:rPr>
+                        <a:t>4</a:t>
+                      </a:r>
+                      <a:endParaRPr lang="en-US" altLang="zh-CN">
+                        <a:solidFill>
+                          <a:schemeClr val="accent2"/>
+                        </a:solidFill>
+                      </a:endParaRPr>
+                    </a:p>
+                  </a:txBody>
+                  <a:tcPr anchor="ctr" anchorCtr="0"/>
+                </a:tc>
+              </a:tr>
+              <a:tr h="774065">
+                <a:tc>
+                  <a:txBody>
+                    <a:bodyPr/>
+                    <a:p>
+                      <a:pPr>
+                        <a:buNone/>
+                      </a:pPr>
+                      <a:r>
+                        <a:rPr lang="zh-CN" altLang="en-US">
+                          <a:solidFill>
+                            <a:srgbClr val="FF0000"/>
+                          </a:solidFill>
+                        </a:rPr>
+                        <a:t>易用性</a:t>
+                      </a:r>
+                      <a:endParaRPr lang="zh-CN" altLang="en-US">
+                        <a:solidFill>
+                          <a:srgbClr val="FF0000"/>
+                        </a:solidFill>
+                      </a:endParaRPr>
+                    </a:p>
+                  </a:txBody>
+                  <a:tcPr anchor="ctr" anchorCtr="0"/>
+                </a:tc>
+                <a:tc>
+                  <a:txBody>
+                    <a:bodyPr/>
+                    <a:p>
+                      <a:pPr algn="ctr">
+                        <a:buNone/>
+                      </a:pPr>
+                      <a:r>
+                        <a:rPr lang="en-US" altLang="zh-CN">
+                          <a:solidFill>
+                            <a:schemeClr val="accent2"/>
+                          </a:solidFill>
+                        </a:rPr>
+                        <a:t>1</a:t>
+                      </a:r>
+                      <a:endParaRPr lang="en-US" altLang="zh-CN">
+                        <a:solidFill>
+                          <a:schemeClr val="accent2"/>
+                        </a:solidFill>
+                      </a:endParaRPr>
+                    </a:p>
+                  </a:txBody>
+                  <a:tcPr anchor="ctr" anchorCtr="0"/>
+                </a:tc>
+                <a:tc>
+                  <a:txBody>
+                    <a:bodyPr/>
+                    <a:p>
+                      <a:pPr algn="ctr">
+                        <a:buNone/>
+                      </a:pPr>
+                      <a:r>
+                        <a:rPr lang="en-US" altLang="zh-CN">
+                          <a:solidFill>
+                            <a:schemeClr val="accent2"/>
+                          </a:solidFill>
+                        </a:rPr>
+                        <a:t>1</a:t>
+                      </a:r>
+                      <a:endParaRPr lang="en-US" altLang="zh-CN">
+                        <a:solidFill>
+                          <a:schemeClr val="accent2"/>
+                        </a:solidFill>
+                      </a:endParaRPr>
+                    </a:p>
+                  </a:txBody>
+                  <a:tcPr anchor="ctr" anchorCtr="0"/>
+                </a:tc>
+                <a:tc>
+                  <a:txBody>
+                    <a:bodyPr/>
+                    <a:p>
+                      <a:pPr algn="ctr">
+                        <a:buNone/>
+                      </a:pPr>
+                      <a:r>
+                        <a:rPr lang="en-US" altLang="zh-CN">
+                          <a:solidFill>
+                            <a:schemeClr val="accent2"/>
+                          </a:solidFill>
+                        </a:rPr>
+                        <a:t>1</a:t>
+                      </a:r>
+                      <a:endParaRPr lang="en-US" altLang="zh-CN">
+                        <a:solidFill>
+                          <a:schemeClr val="accent2"/>
+                        </a:solidFill>
+                      </a:endParaRPr>
+                    </a:p>
+                  </a:txBody>
+                  <a:tcPr anchor="ctr" anchorCtr="0"/>
+                </a:tc>
+                <a:tc>
+                  <a:txBody>
+                    <a:bodyPr/>
+                    <a:p>
+                      <a:pPr algn="ctr">
+                        <a:buNone/>
+                      </a:pPr>
+                      <a:r>
+                        <a:rPr lang="en-US" altLang="zh-CN">
+                          <a:solidFill>
+                            <a:schemeClr val="accent2"/>
+                          </a:solidFill>
+                        </a:rPr>
+                        <a:t>1</a:t>
+                      </a:r>
+                      <a:endParaRPr lang="en-US" altLang="zh-CN">
+                        <a:solidFill>
+                          <a:schemeClr val="accent2"/>
+                        </a:solidFill>
+                      </a:endParaRPr>
+                    </a:p>
+                  </a:txBody>
+                  <a:tcPr anchor="ctr" anchorCtr="0"/>
+                </a:tc>
+                <a:tc>
+                  <a:txBody>
+                    <a:bodyPr/>
+                    <a:p>
+                      <a:pPr algn="ctr">
+                        <a:buNone/>
+                      </a:pPr>
+                      <a:r>
+                        <a:rPr lang="en-US" altLang="zh-CN">
+                          <a:solidFill>
+                            <a:schemeClr val="accent2"/>
+                          </a:solidFill>
+                        </a:rPr>
+                        <a:t>1</a:t>
+                      </a:r>
+                      <a:endParaRPr lang="en-US" altLang="zh-CN">
+                        <a:solidFill>
+                          <a:schemeClr val="accent2"/>
+                        </a:solidFill>
+                      </a:endParaRPr>
+                    </a:p>
+                  </a:txBody>
+                  <a:tcPr anchor="ctr" anchorCtr="0"/>
+                </a:tc>
+                <a:tc>
+                  <a:txBody>
+                    <a:bodyPr/>
+                    <a:p>
+                      <a:pPr algn="ctr">
+                        <a:buNone/>
+                      </a:pPr>
+                      <a:r>
+                        <a:rPr lang="en-US" altLang="zh-CN">
+                          <a:solidFill>
+                            <a:schemeClr val="accent2"/>
+                          </a:solidFill>
+                        </a:rPr>
+                        <a:t>-</a:t>
+                      </a:r>
+                      <a:endParaRPr lang="en-US" altLang="zh-CN">
+                        <a:solidFill>
+                          <a:schemeClr val="accent2"/>
+                        </a:solidFill>
+                      </a:endParaRPr>
+                    </a:p>
+                  </a:txBody>
+                  <a:tcPr anchor="ctr" anchorCtr="0"/>
+                </a:tc>
+                <a:tc>
+                  <a:txBody>
+                    <a:bodyPr/>
+                    <a:p>
+                      <a:pPr algn="ctr">
+                        <a:buNone/>
+                      </a:pPr>
+                      <a:r>
+                        <a:rPr lang="en-US" altLang="zh-CN">
+                          <a:solidFill>
+                            <a:schemeClr val="accent2"/>
+                          </a:solidFill>
+                        </a:rPr>
+                        <a:t>5</a:t>
+                      </a:r>
+                      <a:endParaRPr lang="en-US" altLang="zh-CN">
+                        <a:solidFill>
+                          <a:schemeClr val="accent2"/>
+                        </a:solidFill>
+                      </a:endParaRPr>
+                    </a:p>
+                  </a:txBody>
+                  <a:tcPr anchor="ctr" anchorCtr="0"/>
+                </a:tc>
+              </a:tr>
+            </a:tbl>
+          </a:graphicData>
+        </a:graphic>
+      </p:graphicFrame>
+      <p:sp>
+        <p:nvSpPr>
+          <p:cNvPr id="4" name="文本框 3"/>
+          <p:cNvSpPr txBox="1"/>
+          <p:nvPr/>
+        </p:nvSpPr>
+        <p:spPr>
+          <a:xfrm>
+            <a:off x="32385" y="4890135"/>
+            <a:ext cx="3167380" cy="368300"/>
+          </a:xfrm>
+          <a:prstGeom prst="rect">
+            <a:avLst/>
+          </a:prstGeom>
+          <a:noFill/>
+        </p:spPr>
+        <p:txBody>
+          <a:bodyPr wrap="none" rtlCol="0">
+            <a:spAutoFit/>
+          </a:bodyPr>
+          <a:p>
+            <a:r>
+              <a:rPr lang="zh-CN" altLang="en-US"/>
+              <a:t>评分系统：</a:t>
+            </a:r>
+            <a:r>
+              <a:rPr lang="en-US" altLang="zh-CN"/>
+              <a:t>5</a:t>
+            </a:r>
+            <a:r>
+              <a:rPr lang="zh-CN" altLang="en-US"/>
+              <a:t>分满分，</a:t>
+            </a:r>
+            <a:r>
+              <a:rPr lang="en-US" altLang="zh-CN"/>
+              <a:t>1</a:t>
+            </a:r>
+            <a:r>
+              <a:rPr lang="zh-CN" altLang="en-US"/>
+              <a:t>分最低</a:t>
+            </a:r>
+            <a:endParaRPr lang="zh-CN" altLang="en-US"/>
+          </a:p>
+        </p:txBody>
+      </p:sp>
+      <p:sp>
+        <p:nvSpPr>
+          <p:cNvPr id="6" name="矩形 5"/>
+          <p:cNvSpPr/>
+          <p:nvPr/>
+        </p:nvSpPr>
+        <p:spPr>
+          <a:xfrm>
+            <a:off x="10347960" y="1212850"/>
+            <a:ext cx="1833880" cy="3616960"/>
+          </a:xfrm>
+          <a:prstGeom prst="rect">
+            <a:avLst/>
+          </a:prstGeom>
+          <a:solidFill>
+            <a:schemeClr val="bg1">
+              <a:lumMod val="95000"/>
+            </a:schemeClr>
+          </a:solidFill>
+          <a:ln>
+            <a:noFill/>
+          </a:ln>
+        </p:spPr>
+        <p:style>
+          <a:lnRef idx="2">
+            <a:schemeClr val="accent1">
+              <a:shade val="50000"/>
+            </a:schemeClr>
+          </a:lnRef>
+          <a:fillRef idx="1">
+            <a:schemeClr val="accent1"/>
+          </a:fillRef>
+          <a:effectRef idx="0">
+            <a:schemeClr val="accent1"/>
+          </a:effectRef>
+          <a:fontRef idx="minor">
+            <a:schemeClr val="lt1"/>
+          </a:fontRef>
+        </p:style>
+        <p:txBody>
+          <a:bodyPr rtlCol="0" anchor="ctr"/>
+          <a:p>
+            <a:pPr algn="ctr"/>
+            <a:endParaRPr lang="zh-CN" altLang="en-US"/>
+          </a:p>
+        </p:txBody>
+      </p:sp>
+    </p:spTree>
+  </p:cSld>
+  <p:clrMapOvr>
+    <a:masterClrMapping/>
+  </p:clrMapOvr>
+  <mc:AlternateContent xmlns:mc="http://schemas.openxmlformats.org/markup-compatibility/2006">
+    <mc:Choice xmlns:p14="http://schemas.microsoft.com/office/powerpoint/2010/main" Requires="p14">
+      <p:transition spd="slow" p14:dur="1500">
+        <p:random/>
+      </p:transition>
+    </mc:Choice>
+    <mc:Fallback>
+      <p:transition spd="slow">
+        <p:random/>
+      </p:transition>
+    </mc:Fallback>
+  </mc:AlternateContent>
+  <p:timing>
+    <p:tnLst>
+      <p:par>
+        <p:cTn id="1" dur="indefinite" restart="never" nodeType="tmRoot">
+          <p:childTnLst>
+            <p:seq concurrent="1" nextAc="seek">
+              <p:cTn id="2" dur="indefinite" nodeType="mainSeq">
+                <p:childTnLst>
+                  <p:par>
+                    <p:cTn id="3" fill="hold">
+                      <p:stCondLst>
+                        <p:cond delay="indefinite"/>
+                        <p:cond evt="onBegin" delay="0">
+                          <p:tn val="2"/>
+                        </p:cond>
+                      </p:stCondLst>
+                      <p:childTnLst>
+                        <p:par>
+                          <p:cTn id="4" fill="hold">
+                            <p:stCondLst>
+                              <p:cond delay="0"/>
+                            </p:stCondLst>
+                            <p:childTnLst>
+                              <p:par>
+                                <p:cTn id="5" presetID="0" presetClass="entr" presetSubtype="0" fill="hold" nodeType="withEffect">
+                                  <p:stCondLst>
+                                    <p:cond delay="0"/>
+                                  </p:stCondLst>
+                                  <p:iterate type="lt">
+                                    <p:tmPct val="10000"/>
+                                  </p:iterate>
+                                  <p:childTnLst>
+                                    <p:set>
+                                      <p:cBhvr>
+                                        <p:cTn id="6" dur="1" fill="hold">
+                                          <p:stCondLst>
+                                            <p:cond delay="0"/>
+                                          </p:stCondLst>
+                                        </p:cTn>
+                                        <p:tgtEl>
+                                          <p:spTgt spid="2"/>
+                                        </p:tgtEl>
+                                        <p:attrNameLst>
+                                          <p:attrName>style.visibility</p:attrName>
+                                        </p:attrNameLst>
+                                      </p:cBhvr>
+                                      <p:to>
+                                        <p:strVal val="visible"/>
+                                      </p:to>
+                                    </p:set>
+                                    <p:anim to="" calcmode="lin" valueType="num">
+                                      <p:cBhvr>
+                                        <p:cTn id="7" dur="700" fill="hold">
+                                          <p:stCondLst>
+                                            <p:cond delay="0"/>
+                                          </p:stCondLst>
+                                        </p:cTn>
+                                        <p:tgtEl>
+                                          <p:spTgt spid="2"/>
+                                        </p:tgtEl>
+                                        <p:attrNameLst>
+                                          <p:attrName>ppt_x</p:attrName>
+                                        </p:attrNameLst>
+                                      </p:cBhvr>
+                                      <p:tavLst>
+                                        <p:tav tm="0" fmla="#ppt_x-(-#ppt_w/2*cos(ppt_r/180*pi))*((1.5-1.5*$)^2-(1.5-1.5*$)^3)">
+                                          <p:val>
+                                            <p:fltVal val="0"/>
+                                          </p:val>
+                                        </p:tav>
+                                        <p:tav tm="100000">
+                                          <p:val>
+                                            <p:fltVal val="1"/>
+                                          </p:val>
+                                        </p:tav>
+                                      </p:tavLst>
+                                    </p:anim>
+                                    <p:anim to="" calcmode="lin" valueType="num">
+                                      <p:cBhvr>
+                                        <p:cTn id="8" dur="700" fill="hold">
+                                          <p:stCondLst>
+                                            <p:cond delay="0"/>
+                                          </p:stCondLst>
+                                        </p:cTn>
+                                        <p:tgtEl>
+                                          <p:spTgt spid="2"/>
+                                        </p:tgtEl>
+                                        <p:attrNameLst>
+                                          <p:attrName>ppt_y</p:attrName>
+                                        </p:attrNameLst>
+                                      </p:cBhvr>
+                                      <p:tavLst>
+                                        <p:tav tm="0" fmla="#ppt_y+(-#ppt_h/2*cos(ppt_r/180*pi))*((1.5-1.5*$)^2-(1.5-1.5*$)^3)">
+                                          <p:val>
+                                            <p:fltVal val="0"/>
+                                          </p:val>
+                                        </p:tav>
+                                        <p:tav tm="100000">
+                                          <p:val>
+                                            <p:fltVal val="1"/>
+                                          </p:val>
+                                        </p:tav>
+                                      </p:tavLst>
+                                    </p:anim>
+                                    <p:anim to="" calcmode="lin" valueType="num">
+                                      <p:cBhvr>
+                                        <p:cTn id="9" dur="700" fill="hold">
+                                          <p:stCondLst>
+                                            <p:cond delay="0"/>
+                                          </p:stCondLst>
+                                        </p:cTn>
+                                        <p:tgtEl>
+                                          <p:spTgt spid="2"/>
+                                        </p:tgtEl>
+                                        <p:attrNameLst>
+                                          <p:attrName>ppt_h</p:attrName>
+                                        </p:attrNameLst>
+                                      </p:cBhvr>
+                                      <p:tavLst>
+                                        <p:tav tm="0" fmla="#ppt_h-(-#ppt_h)*((1.5-1.5*$)^2-(1.5-1.5*$)^3)">
+                                          <p:val>
+                                            <p:fltVal val="0"/>
+                                          </p:val>
+                                        </p:tav>
+                                        <p:tav tm="100000">
+                                          <p:val>
+                                            <p:fltVal val="1"/>
+                                          </p:val>
+                                        </p:tav>
+                                      </p:tavLst>
+                                    </p:anim>
+                                    <p:anim to="" calcmode="lin" valueType="num">
+                                      <p:cBhvr>
+                                        <p:cTn id="10" dur="700" fill="hold">
+                                          <p:stCondLst>
+                                            <p:cond delay="0"/>
+                                          </p:stCondLst>
+                                        </p:cTn>
+                                        <p:tgtEl>
+                                          <p:spTgt spid="2"/>
+                                        </p:tgtEl>
+                                        <p:attrNameLst>
+                                          <p:attrName>ppt_w</p:attrName>
+                                        </p:attrNameLst>
+                                      </p:cBhvr>
+                                      <p:tavLst>
+                                        <p:tav tm="0" fmla="#ppt_w-(-#ppt_w)*((1.5-1.5*$)^2-(1.5-1.5*$)^3)">
+                                          <p:val>
+                                            <p:fltVal val="0"/>
+                                          </p:val>
+                                        </p:tav>
+                                        <p:tav tm="100000">
+                                          <p:val>
+                                            <p:fltVal val="1"/>
+                                          </p:val>
+                                        </p:tav>
+                                      </p:tavLst>
+                                    </p:anim>
+                                  </p:childTnLst>
+                                </p:cTn>
+                              </p:par>
+                              <p:par>
+                                <p:cTn id="11" presetID="0" presetClass="entr" presetSubtype="0" fill="hold" grpId="0" nodeType="withEffect">
+                                  <p:stCondLst>
+                                    <p:cond delay="0"/>
+                                  </p:stCondLst>
+                                  <p:iterate type="lt">
+                                    <p:tmPct val="10000"/>
+                                  </p:iterate>
+                                  <p:childTnLst>
+                                    <p:set>
+                                      <p:cBhvr>
+                                        <p:cTn id="12" dur="1" fill="hold">
+                                          <p:stCondLst>
+                                            <p:cond delay="0"/>
+                                          </p:stCondLst>
+                                        </p:cTn>
+                                        <p:tgtEl>
+                                          <p:spTgt spid="13"/>
+                                        </p:tgtEl>
+                                        <p:attrNameLst>
+                                          <p:attrName>style.visibility</p:attrName>
+                                        </p:attrNameLst>
+                                      </p:cBhvr>
+                                      <p:to>
+                                        <p:strVal val="visible"/>
+                                      </p:to>
+                                    </p:set>
+                                    <p:anim to="" calcmode="lin" valueType="num">
+                                      <p:cBhvr>
+                                        <p:cTn id="13" dur="700" fill="hold">
+                                          <p:stCondLst>
+                                            <p:cond delay="0"/>
+                                          </p:stCondLst>
+                                        </p:cTn>
+                                        <p:tgtEl>
+                                          <p:spTgt spid="13"/>
+                                        </p:tgtEl>
+                                        <p:attrNameLst>
+                                          <p:attrName>ppt_x</p:attrName>
+                                        </p:attrNameLst>
+                                      </p:cBhvr>
+                                      <p:tavLst>
+                                        <p:tav tm="0" fmla="#ppt_x-(-#ppt_w/2*cos(ppt_r/180*pi))*((1.5-1.5*$)^2-(1.5-1.5*$)^3)">
+                                          <p:val>
+                                            <p:fltVal val="0"/>
+                                          </p:val>
+                                        </p:tav>
+                                        <p:tav tm="100000">
+                                          <p:val>
+                                            <p:fltVal val="1"/>
+                                          </p:val>
+                                        </p:tav>
+                                      </p:tavLst>
+                                    </p:anim>
+                                    <p:anim to="" calcmode="lin" valueType="num">
+                                      <p:cBhvr>
+                                        <p:cTn id="14" dur="700" fill="hold">
+                                          <p:stCondLst>
+                                            <p:cond delay="0"/>
+                                          </p:stCondLst>
+                                        </p:cTn>
+                                        <p:tgtEl>
+                                          <p:spTgt spid="13"/>
+                                        </p:tgtEl>
+                                        <p:attrNameLst>
+                                          <p:attrName>ppt_y</p:attrName>
+                                        </p:attrNameLst>
+                                      </p:cBhvr>
+                                      <p:tavLst>
+                                        <p:tav tm="0" fmla="#ppt_y+(-#ppt_h/2*cos(ppt_r/180*pi))*((1.5-1.5*$)^2-(1.5-1.5*$)^3)">
+                                          <p:val>
+                                            <p:fltVal val="0"/>
+                                          </p:val>
+                                        </p:tav>
+                                        <p:tav tm="100000">
+                                          <p:val>
+                                            <p:fltVal val="1"/>
+                                          </p:val>
+                                        </p:tav>
+                                      </p:tavLst>
+                                    </p:anim>
+                                    <p:anim to="" calcmode="lin" valueType="num">
+                                      <p:cBhvr>
+                                        <p:cTn id="15" dur="700" fill="hold">
+                                          <p:stCondLst>
+                                            <p:cond delay="0"/>
+                                          </p:stCondLst>
+                                        </p:cTn>
+                                        <p:tgtEl>
+                                          <p:spTgt spid="13"/>
+                                        </p:tgtEl>
+                                        <p:attrNameLst>
+                                          <p:attrName>ppt_h</p:attrName>
+                                        </p:attrNameLst>
+                                      </p:cBhvr>
+                                      <p:tavLst>
+                                        <p:tav tm="0" fmla="#ppt_h-(-#ppt_h)*((1.5-1.5*$)^2-(1.5-1.5*$)^3)">
+                                          <p:val>
+                                            <p:fltVal val="0"/>
+                                          </p:val>
+                                        </p:tav>
+                                        <p:tav tm="100000">
+                                          <p:val>
+                                            <p:fltVal val="1"/>
+                                          </p:val>
+                                        </p:tav>
+                                      </p:tavLst>
+                                    </p:anim>
+                                    <p:anim to="" calcmode="lin" valueType="num">
+                                      <p:cBhvr>
+                                        <p:cTn id="16" dur="700" fill="hold">
+                                          <p:stCondLst>
+                                            <p:cond delay="0"/>
+                                          </p:stCondLst>
+                                        </p:cTn>
+                                        <p:tgtEl>
+                                          <p:spTgt spid="13"/>
+                                        </p:tgtEl>
+                                        <p:attrNameLst>
+                                          <p:attrName>ppt_w</p:attrName>
+                                        </p:attrNameLst>
+                                      </p:cBhvr>
+                                      <p:tavLst>
+                                        <p:tav tm="0" fmla="#ppt_w-(-#ppt_w)*((1.5-1.5*$)^2-(1.5-1.5*$)^3)">
+                                          <p:val>
+                                            <p:fltVal val="0"/>
+                                          </p:val>
+                                        </p:tav>
+                                        <p:tav tm="100000">
+                                          <p:val>
+                                            <p:fltVal val="1"/>
+                                          </p:val>
+                                        </p:tav>
+                                      </p:tavLst>
+                                    </p:anim>
+                                  </p:childTnLst>
+                                </p:cTn>
+                              </p:par>
+                            </p:childTnLst>
+                          </p:cTn>
+                        </p:par>
+                      </p:childTnLst>
+                    </p:cTn>
+                  </p:par>
+                </p:childTnLst>
+              </p:cTn>
+              <p:prevCondLst>
+                <p:cond evt="onPrev" delay="0">
+                  <p:tgtEl>
+                    <p:sldTgt/>
+                  </p:tgtEl>
+                </p:cond>
+              </p:prevCondLst>
+              <p:nextCondLst>
+                <p:cond evt="onNext" delay="0">
+                  <p:tgtEl>
+                    <p:sldTgt/>
+                  </p:tgtEl>
+                </p:cond>
+              </p:nextCondLst>
+            </p:seq>
+          </p:childTnLst>
+        </p:cTn>
+      </p:par>
+    </p:tnLst>
+    <p:bldLst>
+      <p:bldP spid="13" grpId="0"/>
+    </p:bldLst>
+  </p:timing>
+</p:sld>
+</file>
+
+<file path=ppt/slides/slide13.xml><?xml version="1.0" encoding="utf-8"?>
+<p:sld xmlns:a="http://schemas.openxmlformats.org/drawingml/2006/main" xmlns:r="http://schemas.openxmlformats.org/officeDocument/2006/relationships" xmlns:p="http://schemas.openxmlformats.org/presentationml/2006/main">
+  <p:cSld>
+    <p:spTree>
+      <p:nvGrpSpPr>
+        <p:cNvPr id="1" name=""/>
+        <p:cNvGrpSpPr/>
+        <p:nvPr/>
+      </p:nvGrpSpPr>
+      <p:grpSpPr>
+        <a:xfrm>
+          <a:off x="0" y="0"/>
+          <a:ext cx="0" cy="0"/>
+          <a:chOff x="0" y="0"/>
+          <a:chExt cx="0" cy="0"/>
+        </a:xfrm>
+      </p:grpSpPr>
       <p:sp>
         <p:nvSpPr>
           <p:cNvPr id="23" name="PA_圆角矩形 22"/>
@@ -14778,7 +17776,7 @@
         <p:spPr>
           <a:xfrm>
             <a:off x="3596331" y="4149053"/>
-            <a:ext cx="2207199" cy="1327150"/>
+            <a:ext cx="2207199" cy="709295"/>
           </a:xfrm>
           <a:prstGeom prst="rect">
             <a:avLst/>
@@ -14809,94 +17807,7 @@
                 <a:ea typeface="微软雅黑" panose="020B0503020204020204" pitchFamily="34" charset="-122"/>
                 <a:sym typeface="+mn-ea"/>
               </a:rPr>
-              <a:t>观察者模式</a:t>
-            </a:r>
-            <a:endParaRPr lang="zh-CN" altLang="en-US" sz="1335">
-              <a:ln w="6350">
-                <a:noFill/>
-              </a:ln>
-              <a:solidFill>
-                <a:srgbClr val="FFFFFF">
-                  <a:lumMod val="50000"/>
-                </a:srgbClr>
-              </a:solidFill>
-              <a:latin typeface="Impact" panose="020B0806030902050204" pitchFamily="34" charset="0"/>
-              <a:ea typeface="微软雅黑" panose="020B0503020204020204" pitchFamily="34" charset="-122"/>
-              <a:sym typeface="+mn-ea"/>
-            </a:endParaRPr>
-          </a:p>
-          <a:p>
-            <a:pPr algn="l" defTabSz="1218565">
-              <a:lnSpc>
-                <a:spcPct val="150000"/>
-              </a:lnSpc>
-            </a:pPr>
-            <a:r>
-              <a:rPr lang="zh-CN" altLang="en-US" sz="1335">
-                <a:ln w="6350">
-                  <a:noFill/>
-                </a:ln>
-                <a:solidFill>
-                  <a:srgbClr val="FFFFFF">
-                    <a:lumMod val="50000"/>
-                  </a:srgbClr>
-                </a:solidFill>
-                <a:latin typeface="Impact" panose="020B0806030902050204" pitchFamily="34" charset="0"/>
-                <a:ea typeface="微软雅黑" panose="020B0503020204020204" pitchFamily="34" charset="-122"/>
-                <a:sym typeface="+mn-ea"/>
-              </a:rPr>
-              <a:t>订阅</a:t>
-            </a:r>
-            <a:r>
-              <a:rPr lang="zh-CN" altLang="en-US" sz="1335" smtClean="0">
-                <a:ln w="6350">
-                  <a:noFill/>
-                </a:ln>
-                <a:solidFill>
-                  <a:srgbClr val="FFFFFF">
-                    <a:lumMod val="50000"/>
-                  </a:srgbClr>
-                </a:solidFill>
-                <a:latin typeface="Impact" panose="020B0806030902050204" pitchFamily="34" charset="0"/>
-                <a:ea typeface="微软雅黑" panose="020B0503020204020204" pitchFamily="34" charset="-122"/>
-                <a:sym typeface="+mn-ea"/>
-              </a:rPr>
-              <a:t>发布模式</a:t>
-            </a:r>
-            <a:endParaRPr lang="zh-CN" altLang="en-US" sz="1335" dirty="0">
-              <a:ln w="6350">
-                <a:noFill/>
-              </a:ln>
-              <a:solidFill>
-                <a:srgbClr val="FFFFFF">
-                  <a:lumMod val="50000"/>
-                </a:srgbClr>
-              </a:solidFill>
-              <a:latin typeface="Impact" panose="020B0806030902050204" pitchFamily="34" charset="0"/>
-              <a:ea typeface="微软雅黑" panose="020B0503020204020204" pitchFamily="34" charset="-122"/>
-            </a:endParaRPr>
-          </a:p>
-          <a:p>
-            <a:pPr algn="l" defTabSz="1218565">
-              <a:lnSpc>
-                <a:spcPct val="150000"/>
-              </a:lnSpc>
-            </a:pPr>
-            <a:r>
-              <a:rPr lang="zh-CN" altLang="en-US" sz="1335" dirty="0" smtClean="0">
-                <a:ln w="6350">
-                  <a:noFill/>
-                </a:ln>
-                <a:solidFill>
-                  <a:srgbClr val="FFFFFF">
-                    <a:lumMod val="50000"/>
-                  </a:srgbClr>
-                </a:solidFill>
-                <a:latin typeface="Impact" panose="020B0806030902050204" pitchFamily="34" charset="0"/>
-                <a:ea typeface="微软雅黑" panose="020B0503020204020204" pitchFamily="34" charset="-122"/>
-                <a:sym typeface="+mn-ea"/>
-              </a:rPr>
-              <a:t>利用观察者模式解决问题</a:t>
+              <a:t>布局总结对比</a:t>
             </a:r>
             <a:endParaRPr lang="zh-CN" altLang="en-US" sz="1335" dirty="0" smtClean="0">
               <a:ln w="6350">
@@ -15184,8 +18095,8 @@
         </p:nvSpPr>
         <p:spPr>
           <a:xfrm>
-            <a:off x="6783591" y="3595131"/>
-            <a:ext cx="1219200" cy="337185"/>
+            <a:off x="6895351" y="3595131"/>
+            <a:ext cx="995680" cy="337185"/>
           </a:xfrm>
           <a:prstGeom prst="rect">
             <a:avLst/>
@@ -15199,7 +18110,7 @@
           <a:p>
             <a:pPr algn="ctr" defTabSz="1218565"/>
             <a:r>
-              <a:rPr lang="en-US" altLang="zh-CN" sz="1600" b="1" dirty="0">
+              <a:rPr lang="zh-CN" sz="1600" b="1" dirty="0">
                 <a:ln w="6350">
                   <a:noFill/>
                 </a:ln>
@@ -15211,24 +18122,9 @@
                 <a:latin typeface="Impact" panose="020B0806030902050204" pitchFamily="34" charset="0"/>
                 <a:ea typeface="微软雅黑" panose="020B0503020204020204" pitchFamily="34" charset="-122"/>
               </a:rPr>
-              <a:t>jetPack</a:t>
+              <a:t>约束布局</a:t>
             </a:r>
-            <a:r>
-              <a:rPr lang="zh-CN" altLang="en-US" sz="1600" b="1" dirty="0">
-                <a:ln w="6350">
-                  <a:noFill/>
-                </a:ln>
-                <a:solidFill>
-                  <a:srgbClr val="FFFFFF">
-                    <a:lumMod val="50000"/>
-                  </a:srgbClr>
-                </a:solidFill>
-                <a:latin typeface="Impact" panose="020B0806030902050204" pitchFamily="34" charset="0"/>
-                <a:ea typeface="微软雅黑" panose="020B0503020204020204" pitchFamily="34" charset="-122"/>
-              </a:rPr>
-              <a:t>出场</a:t>
-            </a:r>
-            <a:endParaRPr lang="zh-CN" altLang="en-US" sz="1600" b="1" dirty="0">
+            <a:endParaRPr lang="zh-CN" sz="1600" b="1" dirty="0">
               <a:ln w="6350">
                 <a:noFill/>
               </a:ln>
@@ -15255,8 +18151,8 @@
         </p:nvSpPr>
         <p:spPr>
           <a:xfrm>
-            <a:off x="4304255" y="3556386"/>
-            <a:ext cx="792480" cy="337185"/>
+            <a:off x="4202655" y="3556386"/>
+            <a:ext cx="995680" cy="337185"/>
           </a:xfrm>
           <a:prstGeom prst="rect">
             <a:avLst/>
@@ -15282,7 +18178,7 @@
                 <a:latin typeface="Impact" panose="020B0806030902050204" pitchFamily="34" charset="0"/>
                 <a:ea typeface="微软雅黑" panose="020B0503020204020204" pitchFamily="34" charset="-122"/>
               </a:rPr>
-              <a:t>方法论</a:t>
+              <a:t>传统布局</a:t>
             </a:r>
             <a:endParaRPr lang="zh-CN" sz="1600" b="1" dirty="0">
               <a:ln w="6350">
@@ -15432,7 +18328,7 @@
         <p:spPr>
           <a:xfrm>
             <a:off x="6467568" y="4149053"/>
-            <a:ext cx="1968289" cy="1018540"/>
+            <a:ext cx="1968289" cy="1636395"/>
           </a:xfrm>
           <a:prstGeom prst="rect">
             <a:avLst/>
@@ -15450,21 +18346,6 @@
               </a:lnSpc>
             </a:pPr>
             <a:r>
-              <a:rPr lang="en-US" altLang="zh-CN" sz="1335" dirty="0" smtClean="0">
-                <a:ln w="6350">
-                  <a:noFill/>
-                </a:ln>
-                <a:solidFill>
-                  <a:srgbClr val="FFFFFF">
-                    <a:lumMod val="50000"/>
-                  </a:srgbClr>
-                </a:solidFill>
-                <a:latin typeface="Impact" panose="020B0806030902050204" pitchFamily="34" charset="0"/>
-                <a:ea typeface="微软雅黑" panose="020B0503020204020204" pitchFamily="34" charset="-122"/>
-              </a:rPr>
-              <a:t>jetPack</a:t>
-            </a:r>
-            <a:r>
               <a:rPr lang="zh-CN" altLang="en-US" sz="1335" dirty="0" smtClean="0">
                 <a:ln w="6350">
                   <a:noFill/>
@@ -15477,7 +18358,7 @@
                 <a:latin typeface="Impact" panose="020B0806030902050204" pitchFamily="34" charset="0"/>
                 <a:ea typeface="微软雅黑" panose="020B0503020204020204" pitchFamily="34" charset="-122"/>
               </a:rPr>
-              <a:t>简介</a:t>
+              <a:t>基本使用</a:t>
             </a:r>
             <a:endParaRPr lang="zh-CN" altLang="en-US" sz="1335" dirty="0" smtClean="0">
               <a:ln w="6350">
@@ -15499,7 +18380,7 @@
               </a:lnSpc>
             </a:pPr>
             <a:r>
-              <a:rPr lang="zh-CN" sz="1335" dirty="0" smtClean="0">
+              <a:rPr lang="en-US" altLang="zh-CN" sz="1335" dirty="0" smtClean="0">
                 <a:ln w="6350">
                   <a:noFill/>
                 </a:ln>
@@ -15511,19 +18392,10 @@
                 <a:latin typeface="Impact" panose="020B0806030902050204" pitchFamily="34" charset="0"/>
                 <a:ea typeface="微软雅黑" panose="020B0503020204020204" pitchFamily="34" charset="-122"/>
               </a:rPr>
-              <a:t>利用</a:t>
+              <a:t>VS</a:t>
             </a:r>
             <a:r>
-              <a:rPr lang="zh-CN" altLang="en-US" sz="1335" b="1" dirty="0" smtClean="0">
-                <a:solidFill>
-                  <a:schemeClr val="accent6"/>
-                </a:solidFill>
-                <a:sym typeface="+mn-ea"/>
-              </a:rPr>
-              <a:t>Lifecycles</a:t>
-            </a:r>
-            <a:r>
-              <a:rPr lang="zh-CN" sz="1335" dirty="0" smtClean="0">
+              <a:rPr lang="zh-CN" altLang="en-US" sz="1335" dirty="0" smtClean="0">
                 <a:ln w="6350">
                   <a:noFill/>
                 </a:ln>
@@ -15535,9 +18407,126 @@
                 <a:latin typeface="Impact" panose="020B0806030902050204" pitchFamily="34" charset="0"/>
                 <a:ea typeface="微软雅黑" panose="020B0503020204020204" pitchFamily="34" charset="-122"/>
               </a:rPr>
-              <a:t>优雅的解决问题</a:t>
+              <a:t>线性布局</a:t>
             </a:r>
-            <a:endParaRPr lang="en-US" altLang="zh-CN" sz="1335" dirty="0" smtClean="0">
+            <a:endParaRPr lang="zh-CN" altLang="en-US" sz="1335" dirty="0" smtClean="0">
+              <a:ln w="6350">
+                <a:noFill/>
+              </a:ln>
+              <a:solidFill>
+                <a:srgbClr val="FFFFFF">
+                  <a:lumMod val="50000"/>
+                </a:srgbClr>
+              </a:solidFill>
+              <a:latin typeface="Impact" panose="020B0806030902050204" pitchFamily="34" charset="0"/>
+              <a:ea typeface="微软雅黑" panose="020B0503020204020204" pitchFamily="34" charset="-122"/>
+            </a:endParaRPr>
+          </a:p>
+          <a:p>
+            <a:pPr defTabSz="1218565">
+              <a:lnSpc>
+                <a:spcPct val="150000"/>
+              </a:lnSpc>
+            </a:pPr>
+            <a:r>
+              <a:rPr lang="en-US" altLang="zh-CN" sz="1335" dirty="0" smtClean="0">
+                <a:ln w="6350">
+                  <a:noFill/>
+                </a:ln>
+                <a:solidFill>
+                  <a:srgbClr val="FFFFFF">
+                    <a:lumMod val="50000"/>
+                  </a:srgbClr>
+                </a:solidFill>
+                <a:latin typeface="Impact" panose="020B0806030902050204" pitchFamily="34" charset="0"/>
+                <a:ea typeface="微软雅黑" panose="020B0503020204020204" pitchFamily="34" charset="-122"/>
+              </a:rPr>
+              <a:t>VS</a:t>
+            </a:r>
+            <a:r>
+              <a:rPr lang="zh-CN" altLang="en-US" sz="1335" dirty="0" smtClean="0">
+                <a:ln w="6350">
+                  <a:noFill/>
+                </a:ln>
+                <a:solidFill>
+                  <a:srgbClr val="FFFFFF">
+                    <a:lumMod val="50000"/>
+                  </a:srgbClr>
+                </a:solidFill>
+                <a:latin typeface="Impact" panose="020B0806030902050204" pitchFamily="34" charset="0"/>
+                <a:ea typeface="微软雅黑" panose="020B0503020204020204" pitchFamily="34" charset="-122"/>
+              </a:rPr>
+              <a:t>相对布局</a:t>
+            </a:r>
+            <a:endParaRPr lang="zh-CN" altLang="en-US" sz="1335" dirty="0" smtClean="0">
+              <a:ln w="6350">
+                <a:noFill/>
+              </a:ln>
+              <a:solidFill>
+                <a:srgbClr val="FFFFFF">
+                  <a:lumMod val="50000"/>
+                </a:srgbClr>
+              </a:solidFill>
+              <a:latin typeface="Impact" panose="020B0806030902050204" pitchFamily="34" charset="0"/>
+              <a:ea typeface="微软雅黑" panose="020B0503020204020204" pitchFamily="34" charset="-122"/>
+            </a:endParaRPr>
+          </a:p>
+          <a:p>
+            <a:pPr defTabSz="1218565">
+              <a:lnSpc>
+                <a:spcPct val="150000"/>
+              </a:lnSpc>
+            </a:pPr>
+            <a:r>
+              <a:rPr lang="zh-CN" altLang="en-US" sz="1335" dirty="0" smtClean="0">
+                <a:ln w="6350">
+                  <a:noFill/>
+                </a:ln>
+                <a:solidFill>
+                  <a:srgbClr val="FFFFFF">
+                    <a:lumMod val="50000"/>
+                  </a:srgbClr>
+                </a:solidFill>
+                <a:latin typeface="Impact" panose="020B0806030902050204" pitchFamily="34" charset="0"/>
+                <a:ea typeface="微软雅黑" panose="020B0503020204020204" pitchFamily="34" charset="-122"/>
+              </a:rPr>
+              <a:t>圆形定位</a:t>
+            </a:r>
+            <a:endParaRPr lang="zh-CN" altLang="en-US" sz="1335" dirty="0" smtClean="0">
+              <a:ln w="6350">
+                <a:noFill/>
+              </a:ln>
+              <a:solidFill>
+                <a:srgbClr val="FFFFFF">
+                  <a:lumMod val="50000"/>
+                </a:srgbClr>
+              </a:solidFill>
+              <a:latin typeface="Impact" panose="020B0806030902050204" pitchFamily="34" charset="0"/>
+              <a:ea typeface="微软雅黑" panose="020B0503020204020204" pitchFamily="34" charset="-122"/>
+            </a:endParaRPr>
+          </a:p>
+          <a:p>
+            <a:pPr defTabSz="1218565">
+              <a:lnSpc>
+                <a:spcPct val="150000"/>
+              </a:lnSpc>
+            </a:pPr>
+            <a:r>
+              <a:rPr lang="zh-CN" altLang="en-US" sz="1335" dirty="0" smtClean="0">
+                <a:ln w="6350">
+                  <a:noFill/>
+                </a:ln>
+                <a:solidFill>
+                  <a:srgbClr val="FFFFFF">
+                    <a:lumMod val="50000"/>
+                  </a:srgbClr>
+                </a:solidFill>
+                <a:latin typeface="Impact" panose="020B0806030902050204" pitchFamily="34" charset="0"/>
+                <a:ea typeface="微软雅黑" panose="020B0503020204020204" pitchFamily="34" charset="-122"/>
+              </a:rPr>
+              <a:t>百分比布局</a:t>
+            </a:r>
+            <a:endParaRPr lang="zh-CN" altLang="en-US" sz="1335" dirty="0" smtClean="0">
               <a:ln w="6350">
                 <a:noFill/>
               </a:ln>
@@ -21789,16 +24778,16 @@
           <a:p>
             <a:pPr defTabSz="1218565"/>
             <a:r>
-              <a:rPr lang="zh-CN" altLang="en-US" sz="2665" dirty="0" smtClean="0">
+              <a:rPr lang="en-US" sz="2665" dirty="0" smtClean="0">
                 <a:solidFill>
                   <a:srgbClr val="1D69A3"/>
                 </a:solidFill>
                 <a:latin typeface="微软雅黑" panose="020B0503020204020204" pitchFamily="34" charset="-122"/>
                 <a:ea typeface="微软雅黑" panose="020B0503020204020204" pitchFamily="34" charset="-122"/>
               </a:rPr>
-              <a:t>布局性能如何衡量？</a:t>
+              <a:t>FrameLayout</a:t>
             </a:r>
-            <a:endParaRPr lang="en-US" altLang="zh-CN" sz="2665" dirty="0" smtClean="0">
+            <a:endParaRPr lang="en-US" sz="2665" dirty="0" smtClean="0">
               <a:solidFill>
                 <a:srgbClr val="1D69A3"/>
               </a:solidFill>
@@ -21810,33 +24799,28 @@
       </p:sp>
       <p:sp>
         <p:nvSpPr>
-          <p:cNvPr id="12" name="矩形 11"/>
-          <p:cNvSpPr/>
+          <p:cNvPr id="3" name="文本框 2"/>
+          <p:cNvSpPr txBox="1"/>
           <p:nvPr/>
         </p:nvSpPr>
         <p:spPr>
           <a:xfrm>
-            <a:off x="554877" y="1391784"/>
-            <a:ext cx="1338828" cy="369332"/>
+            <a:off x="554990" y="1190625"/>
+            <a:ext cx="3360420" cy="2030095"/>
           </a:xfrm>
           <a:prstGeom prst="rect">
             <a:avLst/>
           </a:prstGeom>
+          <a:noFill/>
         </p:spPr>
         <p:txBody>
-          <a:bodyPr wrap="none">
+          <a:bodyPr wrap="square" rtlCol="0" anchor="t">
             <a:spAutoFit/>
           </a:bodyPr>
-          <a:lstStyle/>
           <a:p>
             <a:r>
-              <a:rPr lang="zh-CN" altLang="en-US">
-                <a:solidFill>
-                  <a:srgbClr val="4F4F4F"/>
-                </a:solidFill>
-                <a:latin typeface="-apple-system" charset="0"/>
-              </a:rPr>
-              <a:t>帧渲染数据</a:t>
+              <a:rPr lang="zh-CN" altLang="en-US"/>
+              <a:t>FrameLayout是最简单的一个布局对象。它被定制为你屏幕上的一个空白备用区域，之后你可以在其中填充一个单一对象 — 比如，一张你要发布的图片。所有的子元素将会固定在屏幕的左上角</a:t>
             </a:r>
             <a:endParaRPr lang="zh-CN" altLang="en-US"/>
           </a:p>
@@ -21844,62 +24828,33 @@
       </p:sp>
       <p:sp>
         <p:nvSpPr>
-          <p:cNvPr id="5" name="矩形 4"/>
-          <p:cNvSpPr/>
+          <p:cNvPr id="4" name="文本框 3"/>
+          <p:cNvSpPr txBox="1"/>
           <p:nvPr/>
         </p:nvSpPr>
         <p:spPr>
           <a:xfrm>
-            <a:off x="1893705" y="1391784"/>
-            <a:ext cx="2262158" cy="369332"/>
+            <a:off x="554990" y="3862705"/>
+            <a:ext cx="2540000" cy="368300"/>
           </a:xfrm>
           <a:prstGeom prst="rect">
             <a:avLst/>
           </a:prstGeom>
+          <a:noFill/>
         </p:spPr>
         <p:txBody>
-          <a:bodyPr wrap="none">
+          <a:bodyPr wrap="square" rtlCol="0" anchor="t">
             <a:spAutoFit/>
           </a:bodyPr>
-          <a:lstStyle/>
           <a:p>
             <a:r>
-              <a:rPr lang="zh-CN" altLang="en-US">
-                <a:solidFill>
-                  <a:srgbClr val="4F4F4F"/>
-                </a:solidFill>
-                <a:latin typeface="-apple-system" charset="0"/>
-              </a:rPr>
-              <a:t>完成渲染一帧的耗时</a:t>
+              <a:rPr lang="zh-CN" altLang="en-US"/>
+              <a:t>android:layout_gravity</a:t>
             </a:r>
             <a:endParaRPr lang="zh-CN" altLang="en-US"/>
           </a:p>
         </p:txBody>
       </p:sp>
-      <p:pic>
-        <p:nvPicPr>
-          <p:cNvPr id="7" name="图片 6"/>
-          <p:cNvPicPr>
-            <a:picLocks noChangeAspect="1"/>
-          </p:cNvPicPr>
-          <p:nvPr/>
-        </p:nvPicPr>
-        <p:blipFill>
-          <a:blip r:embed="rId3"/>
-          <a:stretch>
-            <a:fillRect/>
-          </a:stretch>
-        </p:blipFill>
-        <p:spPr>
-          <a:xfrm>
-            <a:off x="4963886" y="1391784"/>
-            <a:ext cx="7644740" cy="4433251"/>
-          </a:xfrm>
-          <a:prstGeom prst="rect">
-            <a:avLst/>
-          </a:prstGeom>
-        </p:spPr>
-      </p:pic>
     </p:spTree>
   </p:cSld>
   <p:clrMapOvr>
@@ -22546,16 +25501,16 @@
           <a:p>
             <a:pPr defTabSz="1218565"/>
             <a:r>
-              <a:rPr lang="zh-CN" altLang="en-US" sz="2665" dirty="0" smtClean="0">
+              <a:rPr lang="en-US" sz="2665" dirty="0" smtClean="0">
                 <a:solidFill>
                   <a:srgbClr val="1D69A3"/>
                 </a:solidFill>
                 <a:latin typeface="微软雅黑" panose="020B0503020204020204" pitchFamily="34" charset="-122"/>
                 <a:ea typeface="微软雅黑" panose="020B0503020204020204" pitchFamily="34" charset="-122"/>
               </a:rPr>
-              <a:t>传统布局总结？</a:t>
+              <a:t>LinearLayout</a:t>
             </a:r>
-            <a:endParaRPr lang="en-US" altLang="zh-CN" sz="2665" dirty="0" smtClean="0">
+            <a:endParaRPr lang="en-US" sz="2665" dirty="0" smtClean="0">
               <a:solidFill>
                 <a:srgbClr val="1D69A3"/>
               </a:solidFill>
@@ -22567,33 +25522,28 @@
       </p:sp>
       <p:sp>
         <p:nvSpPr>
-          <p:cNvPr id="12" name="矩形 11"/>
-          <p:cNvSpPr/>
+          <p:cNvPr id="3" name="文本框 2"/>
+          <p:cNvSpPr txBox="1"/>
           <p:nvPr/>
         </p:nvSpPr>
         <p:spPr>
           <a:xfrm>
-            <a:off x="554877" y="1391784"/>
-            <a:ext cx="1338828" cy="369332"/>
+            <a:off x="554990" y="1190625"/>
+            <a:ext cx="3360420" cy="922020"/>
           </a:xfrm>
           <a:prstGeom prst="rect">
             <a:avLst/>
           </a:prstGeom>
+          <a:noFill/>
         </p:spPr>
         <p:txBody>
-          <a:bodyPr wrap="none">
+          <a:bodyPr wrap="square" rtlCol="0" anchor="t">
             <a:spAutoFit/>
           </a:bodyPr>
-          <a:lstStyle/>
           <a:p>
             <a:r>
-              <a:rPr lang="zh-CN" altLang="en-US">
-                <a:solidFill>
-                  <a:srgbClr val="4F4F4F"/>
-                </a:solidFill>
-                <a:latin typeface="-apple-system" charset="0"/>
-              </a:rPr>
-              <a:t>帧渲染数据</a:t>
+              <a:rPr lang="zh-CN" altLang="en-US"/>
+              <a:t>LinearLayout的android:layout_gravity属性与android:orientation密切相关</a:t>
             </a:r>
             <a:endParaRPr lang="zh-CN" altLang="en-US"/>
           </a:p>
@@ -22601,33 +25551,172 @@
       </p:sp>
       <p:sp>
         <p:nvSpPr>
-          <p:cNvPr id="5" name="矩形 4"/>
-          <p:cNvSpPr/>
+          <p:cNvPr id="5" name="文本框 4"/>
+          <p:cNvSpPr txBox="1"/>
           <p:nvPr/>
         </p:nvSpPr>
         <p:spPr>
           <a:xfrm>
-            <a:off x="1893705" y="1391784"/>
-            <a:ext cx="2262158" cy="369332"/>
+            <a:off x="554990" y="2294890"/>
+            <a:ext cx="2540000" cy="1476375"/>
           </a:xfrm>
           <a:prstGeom prst="rect">
             <a:avLst/>
           </a:prstGeom>
+          <a:noFill/>
         </p:spPr>
         <p:txBody>
-          <a:bodyPr wrap="none">
+          <a:bodyPr wrap="square" rtlCol="0" anchor="t">
             <a:spAutoFit/>
           </a:bodyPr>
-          <a:lstStyle/>
           <a:p>
             <a:r>
-              <a:rPr lang="zh-CN" altLang="en-US">
-                <a:solidFill>
-                  <a:srgbClr val="4F4F4F"/>
-                </a:solidFill>
-                <a:latin typeface="-apple-system" charset="0"/>
-              </a:rPr>
-              <a:t>完成渲染一帧的耗时</a:t>
+              <a:rPr lang="zh-CN" altLang="en-US"/>
+              <a:t>LinearLayout布局中Layout_weight属性的作用：它是用来分配属于空间的一个属性，默认为0</a:t>
+            </a:r>
+            <a:endParaRPr lang="zh-CN" altLang="en-US"/>
+          </a:p>
+        </p:txBody>
+      </p:sp>
+      <p:sp>
+        <p:nvSpPr>
+          <p:cNvPr id="6" name="文本框 5"/>
+          <p:cNvSpPr txBox="1"/>
+          <p:nvPr/>
+        </p:nvSpPr>
+        <p:spPr>
+          <a:xfrm>
+            <a:off x="554990" y="3978275"/>
+            <a:ext cx="2540000" cy="368300"/>
+          </a:xfrm>
+          <a:prstGeom prst="rect">
+            <a:avLst/>
+          </a:prstGeom>
+          <a:noFill/>
+        </p:spPr>
+        <p:txBody>
+          <a:bodyPr wrap="square" rtlCol="0" anchor="t">
+            <a:spAutoFit/>
+          </a:bodyPr>
+          <a:p>
+            <a:r>
+              <a:rPr lang="zh-CN" altLang="en-US"/>
+              <a:t>wrap_content</a:t>
+            </a:r>
+            <a:r>
+              <a:rPr lang="en-US" altLang="zh-CN"/>
+              <a:t>: 1:2:3</a:t>
+            </a:r>
+            <a:endParaRPr lang="en-US" altLang="zh-CN"/>
+          </a:p>
+        </p:txBody>
+      </p:sp>
+      <p:sp>
+        <p:nvSpPr>
+          <p:cNvPr id="7" name="文本框 6"/>
+          <p:cNvSpPr txBox="1"/>
+          <p:nvPr/>
+        </p:nvSpPr>
+        <p:spPr>
+          <a:xfrm>
+            <a:off x="554990" y="4441825"/>
+            <a:ext cx="3360420" cy="368300"/>
+          </a:xfrm>
+          <a:prstGeom prst="rect">
+            <a:avLst/>
+          </a:prstGeom>
+          <a:noFill/>
+        </p:spPr>
+        <p:txBody>
+          <a:bodyPr wrap="square" rtlCol="0" anchor="t">
+            <a:spAutoFit/>
+          </a:bodyPr>
+          <a:p>
+            <a:r>
+              <a:rPr lang="zh-CN" altLang="en-US"/>
+              <a:t>match_parent</a:t>
+            </a:r>
+            <a:r>
+              <a:rPr lang="en-US" altLang="zh-CN"/>
+              <a:t>: 1:2:3 </a:t>
+            </a:r>
+            <a:endParaRPr lang="zh-CN" altLang="en-US"/>
+          </a:p>
+        </p:txBody>
+      </p:sp>
+      <p:sp>
+        <p:nvSpPr>
+          <p:cNvPr id="8" name="文本框 7"/>
+          <p:cNvSpPr txBox="1"/>
+          <p:nvPr/>
+        </p:nvSpPr>
+        <p:spPr>
+          <a:xfrm>
+            <a:off x="626745" y="4925060"/>
+            <a:ext cx="2181225" cy="368300"/>
+          </a:xfrm>
+          <a:prstGeom prst="rect">
+            <a:avLst/>
+          </a:prstGeom>
+          <a:noFill/>
+        </p:spPr>
+        <p:txBody>
+          <a:bodyPr wrap="none" rtlCol="0">
+            <a:spAutoFit/>
+          </a:bodyPr>
+          <a:p>
+            <a:r>
+              <a:rPr lang="zh-CN" altLang="en-US"/>
+              <a:t>剩余空间</a:t>
+            </a:r>
+            <a:r>
+              <a:rPr lang="en-US" altLang="zh-CN"/>
+              <a:t>= 1-3 = -2</a:t>
+            </a:r>
+            <a:endParaRPr lang="en-US" altLang="zh-CN"/>
+          </a:p>
+        </p:txBody>
+      </p:sp>
+      <p:sp>
+        <p:nvSpPr>
+          <p:cNvPr id="10" name="文本框 9"/>
+          <p:cNvSpPr txBox="1"/>
+          <p:nvPr/>
+        </p:nvSpPr>
+        <p:spPr>
+          <a:xfrm>
+            <a:off x="626745" y="5426710"/>
+            <a:ext cx="3114040" cy="368300"/>
+          </a:xfrm>
+          <a:prstGeom prst="rect">
+            <a:avLst/>
+          </a:prstGeom>
+          <a:noFill/>
+        </p:spPr>
+        <p:txBody>
+          <a:bodyPr wrap="none" rtlCol="0">
+            <a:spAutoFit/>
+          </a:bodyPr>
+          <a:p>
+            <a:r>
+              <a:rPr lang="zh-CN" altLang="en-US"/>
+              <a:t>各自占比</a:t>
+            </a:r>
+            <a:r>
+              <a:rPr lang="en-US" altLang="zh-CN"/>
+              <a:t>=1 + </a:t>
+            </a:r>
+            <a:r>
+              <a:rPr lang="zh-CN" altLang="en-US"/>
+              <a:t>比率</a:t>
+            </a:r>
+            <a:r>
+              <a:rPr lang="en-US" altLang="zh-CN"/>
+              <a:t>*</a:t>
+            </a:r>
+            <a:r>
+              <a:rPr lang="zh-CN" altLang="en-US"/>
+              <a:t>（剩余）</a:t>
             </a:r>
             <a:endParaRPr lang="zh-CN" altLang="en-US"/>
           </a:p>
@@ -23194,6 +26283,42 @@
 </file>
 
 <file path=ppt/tags/tag41.xml><?xml version="1.0" encoding="utf-8"?>
+<p:tagLst xmlns:p="http://schemas.openxmlformats.org/presentationml/2006/main">
+  <p:tag name="PA" val="v4.1.3"/>
+</p:tagLst>
+</file>
+
+<file path=ppt/tags/tag42.xml><?xml version="1.0" encoding="utf-8"?>
+<p:tagLst xmlns:p="http://schemas.openxmlformats.org/presentationml/2006/main">
+  <p:tag name="PA" val="v4.1.3"/>
+</p:tagLst>
+</file>
+
+<file path=ppt/tags/tag43.xml><?xml version="1.0" encoding="utf-8"?>
+<p:tagLst xmlns:p="http://schemas.openxmlformats.org/presentationml/2006/main">
+  <p:tag name="PA" val="v4.1.3"/>
+</p:tagLst>
+</file>
+
+<file path=ppt/tags/tag44.xml><?xml version="1.0" encoding="utf-8"?>
+<p:tagLst xmlns:p="http://schemas.openxmlformats.org/presentationml/2006/main">
+  <p:tag name="PA" val="v4.1.3"/>
+</p:tagLst>
+</file>
+
+<file path=ppt/tags/tag45.xml><?xml version="1.0" encoding="utf-8"?>
+<p:tagLst xmlns:p="http://schemas.openxmlformats.org/presentationml/2006/main">
+  <p:tag name="PA" val="v4.1.3"/>
+</p:tagLst>
+</file>
+
+<file path=ppt/tags/tag46.xml><?xml version="1.0" encoding="utf-8"?>
+<p:tagLst xmlns:p="http://schemas.openxmlformats.org/presentationml/2006/main">
+  <p:tag name="PA" val="v4.1.3"/>
+</p:tagLst>
+</file>
+
+<file path=ppt/tags/tag47.xml><?xml version="1.0" encoding="utf-8"?>
 <p:tagLst xmlns:p="http://schemas.openxmlformats.org/presentationml/2006/main">
   <p:tag name="PA" val="v4.1.3"/>
 </p:tagLst>

--- a/pre/约束布局.pptx
+++ b/pre/约束布局.pptx
@@ -21,7 +21,8 @@
     <p:sldId id="536" r:id="rId14"/>
     <p:sldId id="511" r:id="rId15"/>
     <p:sldId id="532" r:id="rId16"/>
-    <p:sldId id="350" r:id="rId17"/>
+    <p:sldId id="541" r:id="rId17"/>
+    <p:sldId id="350" r:id="rId18"/>
   </p:sldIdLst>
   <p:sldSz cx="12192000" cy="6858000"/>
   <p:notesSz cx="6858000" cy="9144000"/>
@@ -6591,6 +6592,30 @@
           </a:p>
         </p:txBody>
       </p:sp>
+      <p:pic>
+        <p:nvPicPr>
+          <p:cNvPr id="4" name="图片 3" descr="S4JC}47@6V[2_46)R9_TJLQ"/>
+          <p:cNvPicPr>
+            <a:picLocks noChangeAspect="1"/>
+          </p:cNvPicPr>
+          <p:nvPr/>
+        </p:nvPicPr>
+        <p:blipFill>
+          <a:blip r:embed="rId3"/>
+          <a:stretch>
+            <a:fillRect/>
+          </a:stretch>
+        </p:blipFill>
+        <p:spPr>
+          <a:xfrm>
+            <a:off x="6593205" y="266700"/>
+            <a:ext cx="3676015" cy="6114415"/>
+          </a:xfrm>
+          <a:prstGeom prst="rect">
+            <a:avLst/>
+          </a:prstGeom>
+        </p:spPr>
+      </p:pic>
     </p:spTree>
   </p:cSld>
   <p:clrMapOvr>
@@ -7348,6 +7373,92 @@
           </a:prstGeom>
         </p:spPr>
       </p:pic>
+      <p:sp>
+        <p:nvSpPr>
+          <p:cNvPr id="3" name="文本框 2"/>
+          <p:cNvSpPr txBox="1"/>
+          <p:nvPr/>
+        </p:nvSpPr>
+        <p:spPr>
+          <a:xfrm>
+            <a:off x="650875" y="2014855"/>
+            <a:ext cx="2540000" cy="922020"/>
+          </a:xfrm>
+          <a:prstGeom prst="rect">
+            <a:avLst/>
+          </a:prstGeom>
+          <a:noFill/>
+        </p:spPr>
+        <p:txBody>
+          <a:bodyPr wrap="square" rtlCol="0" anchor="t">
+            <a:spAutoFit/>
+          </a:bodyPr>
+          <a:p>
+            <a:r>
+              <a:rPr lang="zh-CN" altLang="en-US"/>
+              <a:t>过度绘制</a:t>
+            </a:r>
+            <a:endParaRPr lang="zh-CN" altLang="en-US"/>
+          </a:p>
+          <a:p>
+            <a:r>
+              <a:rPr lang="zh-CN" altLang="en-US"/>
+              <a:t>帧率</a:t>
+            </a:r>
+            <a:endParaRPr lang="zh-CN" altLang="en-US"/>
+          </a:p>
+          <a:p>
+            <a:r>
+              <a:rPr lang="zh-CN" altLang="en-US"/>
+              <a:t>帧方差</a:t>
+            </a:r>
+            <a:endParaRPr lang="zh-CN" altLang="en-US"/>
+          </a:p>
+        </p:txBody>
+      </p:sp>
+      <p:sp>
+        <p:nvSpPr>
+          <p:cNvPr id="4" name="文本框 3"/>
+          <p:cNvSpPr txBox="1"/>
+          <p:nvPr/>
+        </p:nvSpPr>
+        <p:spPr>
+          <a:xfrm>
+            <a:off x="650875" y="3063240"/>
+            <a:ext cx="2540000" cy="922020"/>
+          </a:xfrm>
+          <a:prstGeom prst="rect">
+            <a:avLst/>
+          </a:prstGeom>
+          <a:noFill/>
+        </p:spPr>
+        <p:txBody>
+          <a:bodyPr wrap="square" rtlCol="0" anchor="t">
+            <a:spAutoFit/>
+          </a:bodyPr>
+          <a:p>
+            <a:r>
+              <a:rPr lang="zh-CN" altLang="en-US"/>
+              <a:t>界面过度绘制</a:t>
+            </a:r>
+            <a:endParaRPr lang="zh-CN" altLang="en-US"/>
+          </a:p>
+          <a:p>
+            <a:r>
+              <a:rPr lang="zh-CN" altLang="en-US"/>
+              <a:t>屏幕滑动帧速率</a:t>
+            </a:r>
+            <a:endParaRPr lang="zh-CN" altLang="en-US"/>
+          </a:p>
+          <a:p>
+            <a:r>
+              <a:rPr lang="zh-CN" altLang="en-US"/>
+              <a:t>屏幕滑动平滑度</a:t>
+            </a:r>
+            <a:endParaRPr lang="zh-CN" altLang="en-US"/>
+          </a:p>
+        </p:txBody>
+      </p:sp>
     </p:spTree>
   </p:cSld>
   <p:clrMapOvr>
@@ -9226,6 +9337,700 @@
 </file>
 
 <file path=ppt/slides/slide13.xml><?xml version="1.0" encoding="utf-8"?>
+<p:sld xmlns:a="http://schemas.openxmlformats.org/drawingml/2006/main" xmlns:r="http://schemas.openxmlformats.org/officeDocument/2006/relationships" xmlns:p="http://schemas.openxmlformats.org/presentationml/2006/main">
+  <p:cSld>
+    <p:spTree>
+      <p:nvGrpSpPr>
+        <p:cNvPr id="1" name=""/>
+        <p:cNvGrpSpPr/>
+        <p:nvPr/>
+      </p:nvGrpSpPr>
+      <p:grpSpPr>
+        <a:xfrm>
+          <a:off x="0" y="0"/>
+          <a:ext cx="0" cy="0"/>
+          <a:chOff x="0" y="0"/>
+          <a:chExt cx="0" cy="0"/>
+        </a:xfrm>
+      </p:grpSpPr>
+      <p:grpSp>
+        <p:nvGrpSpPr>
+          <p:cNvPr id="2" name="PA_组合 47"/>
+          <p:cNvGrpSpPr/>
+          <p:nvPr>
+            <p:custDataLst>
+              <p:tags r:id="rId1"/>
+            </p:custDataLst>
+          </p:nvPr>
+        </p:nvGrpSpPr>
+        <p:grpSpPr>
+          <a:xfrm>
+            <a:off x="554877" y="932724"/>
+            <a:ext cx="1199456" cy="74689"/>
+            <a:chOff x="0" y="2842590"/>
+            <a:chExt cx="7054752" cy="89199"/>
+          </a:xfrm>
+        </p:grpSpPr>
+        <p:sp>
+          <p:nvSpPr>
+            <p:cNvPr id="49" name="矩形 48"/>
+            <p:cNvSpPr/>
+            <p:nvPr/>
+          </p:nvSpPr>
+          <p:spPr>
+            <a:xfrm>
+              <a:off x="0" y="2842590"/>
+              <a:ext cx="1763688" cy="89199"/>
+            </a:xfrm>
+            <a:prstGeom prst="rect">
+              <a:avLst/>
+            </a:prstGeom>
+            <a:solidFill>
+              <a:schemeClr val="accent1"/>
+            </a:solidFill>
+            <a:ln>
+              <a:noFill/>
+            </a:ln>
+          </p:spPr>
+          <p:style>
+            <a:lnRef idx="2">
+              <a:schemeClr val="accent1">
+                <a:shade val="50000"/>
+              </a:schemeClr>
+            </a:lnRef>
+            <a:fillRef idx="1">
+              <a:schemeClr val="accent1"/>
+            </a:fillRef>
+            <a:effectRef idx="0">
+              <a:schemeClr val="accent1"/>
+            </a:effectRef>
+            <a:fontRef idx="minor">
+              <a:schemeClr val="lt1"/>
+            </a:fontRef>
+          </p:style>
+          <p:txBody>
+            <a:bodyPr rtlCol="0" anchor="ctr"/>
+            <a:lstStyle/>
+            <a:p>
+              <a:pPr algn="ctr" defTabSz="1218565"/>
+              <a:endParaRPr lang="zh-CN" altLang="en-US" sz="2400">
+                <a:solidFill>
+                  <a:srgbClr val="FFFFFF"/>
+                </a:solidFill>
+                <a:latin typeface="Calibri" panose="020F0502020204030204"/>
+                <a:ea typeface="宋体" panose="02010600030101010101" pitchFamily="2" charset="-122"/>
+              </a:endParaRPr>
+            </a:p>
+          </p:txBody>
+        </p:sp>
+        <p:sp>
+          <p:nvSpPr>
+            <p:cNvPr id="50" name="矩形 49"/>
+            <p:cNvSpPr/>
+            <p:nvPr/>
+          </p:nvSpPr>
+          <p:spPr>
+            <a:xfrm>
+              <a:off x="1763688" y="2842590"/>
+              <a:ext cx="1763688" cy="89199"/>
+            </a:xfrm>
+            <a:prstGeom prst="rect">
+              <a:avLst/>
+            </a:prstGeom>
+            <a:solidFill>
+              <a:schemeClr val="accent2"/>
+            </a:solidFill>
+            <a:ln>
+              <a:noFill/>
+            </a:ln>
+          </p:spPr>
+          <p:style>
+            <a:lnRef idx="2">
+              <a:schemeClr val="accent1">
+                <a:shade val="50000"/>
+              </a:schemeClr>
+            </a:lnRef>
+            <a:fillRef idx="1">
+              <a:schemeClr val="accent1"/>
+            </a:fillRef>
+            <a:effectRef idx="0">
+              <a:schemeClr val="accent1"/>
+            </a:effectRef>
+            <a:fontRef idx="minor">
+              <a:schemeClr val="lt1"/>
+            </a:fontRef>
+          </p:style>
+          <p:txBody>
+            <a:bodyPr rtlCol="0" anchor="ctr"/>
+            <a:lstStyle/>
+            <a:p>
+              <a:pPr algn="ctr" defTabSz="1218565"/>
+              <a:endParaRPr lang="zh-CN" altLang="en-US" sz="2400">
+                <a:solidFill>
+                  <a:srgbClr val="FFFFFF"/>
+                </a:solidFill>
+                <a:latin typeface="Calibri" panose="020F0502020204030204"/>
+                <a:ea typeface="宋体" panose="02010600030101010101" pitchFamily="2" charset="-122"/>
+              </a:endParaRPr>
+            </a:p>
+          </p:txBody>
+        </p:sp>
+        <p:sp>
+          <p:nvSpPr>
+            <p:cNvPr id="51" name="矩形 50"/>
+            <p:cNvSpPr/>
+            <p:nvPr/>
+          </p:nvSpPr>
+          <p:spPr>
+            <a:xfrm>
+              <a:off x="3527376" y="2842590"/>
+              <a:ext cx="1763688" cy="89199"/>
+            </a:xfrm>
+            <a:prstGeom prst="rect">
+              <a:avLst/>
+            </a:prstGeom>
+            <a:solidFill>
+              <a:schemeClr val="accent3"/>
+            </a:solidFill>
+            <a:ln>
+              <a:noFill/>
+            </a:ln>
+          </p:spPr>
+          <p:style>
+            <a:lnRef idx="2">
+              <a:schemeClr val="accent1">
+                <a:shade val="50000"/>
+              </a:schemeClr>
+            </a:lnRef>
+            <a:fillRef idx="1">
+              <a:schemeClr val="accent1"/>
+            </a:fillRef>
+            <a:effectRef idx="0">
+              <a:schemeClr val="accent1"/>
+            </a:effectRef>
+            <a:fontRef idx="minor">
+              <a:schemeClr val="lt1"/>
+            </a:fontRef>
+          </p:style>
+          <p:txBody>
+            <a:bodyPr rtlCol="0" anchor="ctr"/>
+            <a:lstStyle/>
+            <a:p>
+              <a:pPr algn="ctr" defTabSz="1218565"/>
+              <a:endParaRPr lang="zh-CN" altLang="en-US" sz="2400">
+                <a:solidFill>
+                  <a:srgbClr val="FFFFFF"/>
+                </a:solidFill>
+                <a:latin typeface="Calibri" panose="020F0502020204030204"/>
+                <a:ea typeface="宋体" panose="02010600030101010101" pitchFamily="2" charset="-122"/>
+              </a:endParaRPr>
+            </a:p>
+          </p:txBody>
+        </p:sp>
+        <p:sp>
+          <p:nvSpPr>
+            <p:cNvPr id="52" name="矩形 51"/>
+            <p:cNvSpPr/>
+            <p:nvPr/>
+          </p:nvSpPr>
+          <p:spPr>
+            <a:xfrm>
+              <a:off x="5291064" y="2842590"/>
+              <a:ext cx="1763688" cy="89199"/>
+            </a:xfrm>
+            <a:prstGeom prst="rect">
+              <a:avLst/>
+            </a:prstGeom>
+            <a:solidFill>
+              <a:schemeClr val="accent4"/>
+            </a:solidFill>
+            <a:ln>
+              <a:noFill/>
+            </a:ln>
+          </p:spPr>
+          <p:style>
+            <a:lnRef idx="2">
+              <a:schemeClr val="accent1">
+                <a:shade val="50000"/>
+              </a:schemeClr>
+            </a:lnRef>
+            <a:fillRef idx="1">
+              <a:schemeClr val="accent1"/>
+            </a:fillRef>
+            <a:effectRef idx="0">
+              <a:schemeClr val="accent1"/>
+            </a:effectRef>
+            <a:fontRef idx="minor">
+              <a:schemeClr val="lt1"/>
+            </a:fontRef>
+          </p:style>
+          <p:txBody>
+            <a:bodyPr rtlCol="0" anchor="ctr"/>
+            <a:lstStyle/>
+            <a:p>
+              <a:pPr algn="ctr" defTabSz="1218565"/>
+              <a:endParaRPr lang="zh-CN" altLang="en-US" sz="2400">
+                <a:solidFill>
+                  <a:srgbClr val="FFFFFF"/>
+                </a:solidFill>
+                <a:latin typeface="Calibri" panose="020F0502020204030204"/>
+                <a:ea typeface="宋体" panose="02010600030101010101" pitchFamily="2" charset="-122"/>
+              </a:endParaRPr>
+            </a:p>
+          </p:txBody>
+        </p:sp>
+      </p:grpSp>
+      <p:sp>
+        <p:nvSpPr>
+          <p:cNvPr id="13" name="PA_矩形 39"/>
+          <p:cNvSpPr>
+            <a:spLocks noChangeArrowheads="1"/>
+          </p:cNvSpPr>
+          <p:nvPr>
+            <p:custDataLst>
+              <p:tags r:id="rId2"/>
+            </p:custDataLst>
+          </p:nvPr>
+        </p:nvSpPr>
+        <p:spPr bwMode="auto">
+          <a:xfrm>
+            <a:off x="554879" y="371042"/>
+            <a:ext cx="5388721" cy="410210"/>
+          </a:xfrm>
+          <a:prstGeom prst="rect">
+            <a:avLst/>
+          </a:prstGeom>
+          <a:noFill/>
+          <a:ln>
+            <a:noFill/>
+          </a:ln>
+          <a:extLst>
+            <a:ext uri="{909E8E84-426E-40DD-AFC4-6F175D3DCCD1}">
+              <a14:hiddenFill xmlns:a14="http://schemas.microsoft.com/office/drawing/2010/main">
+                <a:solidFill>
+                  <a:srgbClr val="FFFFFF"/>
+                </a:solidFill>
+              </a14:hiddenFill>
+            </a:ext>
+            <a:ext uri="{91240B29-F687-4F45-9708-019B960494DF}">
+              <a14:hiddenLine xmlns:a14="http://schemas.microsoft.com/office/drawing/2010/main" w="9525">
+                <a:solidFill>
+                  <a:srgbClr val="000000"/>
+                </a:solidFill>
+                <a:miter lim="800000"/>
+                <a:headEnd/>
+                <a:tailEnd/>
+              </a14:hiddenLine>
+            </a:ext>
+          </a:extLst>
+        </p:spPr>
+        <p:txBody>
+          <a:bodyPr wrap="square" lIns="0" tIns="0" rIns="0" bIns="0">
+            <a:spAutoFit/>
+          </a:bodyPr>
+          <a:lstStyle/>
+          <a:p>
+            <a:pPr defTabSz="1218565"/>
+            <a:r>
+              <a:rPr lang="en-US" altLang="zh-CN" sz="2665" dirty="0" smtClean="0">
+                <a:solidFill>
+                  <a:srgbClr val="1D69A3"/>
+                </a:solidFill>
+                <a:latin typeface="微软雅黑" panose="020B0503020204020204" pitchFamily="34" charset="-122"/>
+                <a:ea typeface="微软雅黑" panose="020B0503020204020204" pitchFamily="34" charset="-122"/>
+              </a:rPr>
+              <a:t>ConstraintLayout</a:t>
+            </a:r>
+            <a:endParaRPr lang="en-US" altLang="zh-CN" sz="2665" dirty="0" smtClean="0">
+              <a:solidFill>
+                <a:srgbClr val="1D69A3"/>
+              </a:solidFill>
+              <a:latin typeface="微软雅黑" panose="020B0503020204020204" pitchFamily="34" charset="-122"/>
+              <a:ea typeface="微软雅黑" panose="020B0503020204020204" pitchFamily="34" charset="-122"/>
+            </a:endParaRPr>
+          </a:p>
+        </p:txBody>
+      </p:sp>
+      <p:sp>
+        <p:nvSpPr>
+          <p:cNvPr id="5" name="文本框 4"/>
+          <p:cNvSpPr txBox="1"/>
+          <p:nvPr/>
+        </p:nvSpPr>
+        <p:spPr>
+          <a:xfrm>
+            <a:off x="431165" y="1290955"/>
+            <a:ext cx="3826510" cy="368300"/>
+          </a:xfrm>
+          <a:prstGeom prst="rect">
+            <a:avLst/>
+          </a:prstGeom>
+          <a:noFill/>
+        </p:spPr>
+        <p:txBody>
+          <a:bodyPr wrap="square" rtlCol="0" anchor="t">
+            <a:spAutoFit/>
+          </a:bodyPr>
+          <a:p>
+            <a:r>
+              <a:rPr lang="zh-CN" altLang="en-US"/>
+              <a:t>Cassowary 线性方程组或者不等式</a:t>
+            </a:r>
+            <a:endParaRPr lang="zh-CN" altLang="en-US"/>
+          </a:p>
+        </p:txBody>
+      </p:sp>
+    </p:spTree>
+  </p:cSld>
+  <p:clrMapOvr>
+    <a:masterClrMapping/>
+  </p:clrMapOvr>
+  <mc:AlternateContent xmlns:mc="http://schemas.openxmlformats.org/markup-compatibility/2006">
+    <mc:Choice xmlns:p14="http://schemas.microsoft.com/office/powerpoint/2010/main" Requires="p14">
+      <p:transition spd="slow" p14:dur="1500">
+        <p:random/>
+      </p:transition>
+    </mc:Choice>
+    <mc:Fallback>
+      <p:transition spd="slow">
+        <p:random/>
+      </p:transition>
+    </mc:Fallback>
+  </mc:AlternateContent>
+  <p:timing>
+    <p:tnLst>
+      <p:par>
+        <p:cTn id="1" dur="indefinite" restart="never" nodeType="tmRoot">
+          <p:childTnLst>
+            <p:seq concurrent="1" nextAc="seek">
+              <p:cTn id="2" dur="indefinite" nodeType="mainSeq">
+                <p:childTnLst>
+                  <p:par>
+                    <p:cTn id="3" fill="hold">
+                      <p:stCondLst>
+                        <p:cond delay="indefinite"/>
+                        <p:cond evt="onBegin" delay="0">
+                          <p:tn val="2"/>
+                        </p:cond>
+                      </p:stCondLst>
+                      <p:childTnLst>
+                        <p:par>
+                          <p:cTn id="4" fill="hold">
+                            <p:stCondLst>
+                              <p:cond delay="0"/>
+                            </p:stCondLst>
+                            <p:childTnLst>
+                              <p:par>
+                                <p:cTn id="5" presetID="0" presetClass="entr" presetSubtype="0" fill="hold" nodeType="withEffect">
+                                  <p:stCondLst>
+                                    <p:cond delay="0"/>
+                                  </p:stCondLst>
+                                  <p:iterate type="lt">
+                                    <p:tmPct val="10000"/>
+                                  </p:iterate>
+                                  <p:childTnLst>
+                                    <p:set>
+                                      <p:cBhvr>
+                                        <p:cTn id="6" dur="1" fill="hold">
+                                          <p:stCondLst>
+                                            <p:cond delay="0"/>
+                                          </p:stCondLst>
+                                        </p:cTn>
+                                        <p:tgtEl>
+                                          <p:spTgt spid="2"/>
+                                        </p:tgtEl>
+                                        <p:attrNameLst>
+                                          <p:attrName>style.visibility</p:attrName>
+                                        </p:attrNameLst>
+                                      </p:cBhvr>
+                                      <p:to>
+                                        <p:strVal val="visible"/>
+                                      </p:to>
+                                    </p:set>
+                                    <p:anim to="" calcmode="lin" valueType="num">
+                                      <p:cBhvr>
+                                        <p:cTn id="7" dur="700" fill="hold">
+                                          <p:stCondLst>
+                                            <p:cond delay="0"/>
+                                          </p:stCondLst>
+                                        </p:cTn>
+                                        <p:tgtEl>
+                                          <p:spTgt spid="2"/>
+                                        </p:tgtEl>
+                                        <p:attrNameLst>
+                                          <p:attrName>ppt_x</p:attrName>
+                                        </p:attrNameLst>
+                                      </p:cBhvr>
+                                      <p:tavLst>
+                                        <p:tav tm="0" fmla="#ppt_x-(-#ppt_w/2*cos(ppt_r/180*pi))*((1.5-1.5*$)^2-(1.5-1.5*$)^3)">
+                                          <p:val>
+                                            <p:fltVal val="0"/>
+                                          </p:val>
+                                        </p:tav>
+                                        <p:tav tm="100000">
+                                          <p:val>
+                                            <p:fltVal val="1"/>
+                                          </p:val>
+                                        </p:tav>
+                                      </p:tavLst>
+                                    </p:anim>
+                                    <p:anim to="" calcmode="lin" valueType="num">
+                                      <p:cBhvr>
+                                        <p:cTn id="8" dur="700" fill="hold">
+                                          <p:stCondLst>
+                                            <p:cond delay="0"/>
+                                          </p:stCondLst>
+                                        </p:cTn>
+                                        <p:tgtEl>
+                                          <p:spTgt spid="2"/>
+                                        </p:tgtEl>
+                                        <p:attrNameLst>
+                                          <p:attrName>ppt_y</p:attrName>
+                                        </p:attrNameLst>
+                                      </p:cBhvr>
+                                      <p:tavLst>
+                                        <p:tav tm="0" fmla="#ppt_y+(-#ppt_h/2*cos(ppt_r/180*pi))*((1.5-1.5*$)^2-(1.5-1.5*$)^3)">
+                                          <p:val>
+                                            <p:fltVal val="0"/>
+                                          </p:val>
+                                        </p:tav>
+                                        <p:tav tm="100000">
+                                          <p:val>
+                                            <p:fltVal val="1"/>
+                                          </p:val>
+                                        </p:tav>
+                                      </p:tavLst>
+                                    </p:anim>
+                                    <p:anim to="" calcmode="lin" valueType="num">
+                                      <p:cBhvr>
+                                        <p:cTn id="9" dur="700" fill="hold">
+                                          <p:stCondLst>
+                                            <p:cond delay="0"/>
+                                          </p:stCondLst>
+                                        </p:cTn>
+                                        <p:tgtEl>
+                                          <p:spTgt spid="2"/>
+                                        </p:tgtEl>
+                                        <p:attrNameLst>
+                                          <p:attrName>ppt_h</p:attrName>
+                                        </p:attrNameLst>
+                                      </p:cBhvr>
+                                      <p:tavLst>
+                                        <p:tav tm="0" fmla="#ppt_h-(-#ppt_h)*((1.5-1.5*$)^2-(1.5-1.5*$)^3)">
+                                          <p:val>
+                                            <p:fltVal val="0"/>
+                                          </p:val>
+                                        </p:tav>
+                                        <p:tav tm="100000">
+                                          <p:val>
+                                            <p:fltVal val="1"/>
+                                          </p:val>
+                                        </p:tav>
+                                      </p:tavLst>
+                                    </p:anim>
+                                    <p:anim to="" calcmode="lin" valueType="num">
+                                      <p:cBhvr>
+                                        <p:cTn id="10" dur="700" fill="hold">
+                                          <p:stCondLst>
+                                            <p:cond delay="0"/>
+                                          </p:stCondLst>
+                                        </p:cTn>
+                                        <p:tgtEl>
+                                          <p:spTgt spid="2"/>
+                                        </p:tgtEl>
+                                        <p:attrNameLst>
+                                          <p:attrName>ppt_w</p:attrName>
+                                        </p:attrNameLst>
+                                      </p:cBhvr>
+                                      <p:tavLst>
+                                        <p:tav tm="0" fmla="#ppt_w-(-#ppt_w)*((1.5-1.5*$)^2-(1.5-1.5*$)^3)">
+                                          <p:val>
+                                            <p:fltVal val="0"/>
+                                          </p:val>
+                                        </p:tav>
+                                        <p:tav tm="100000">
+                                          <p:val>
+                                            <p:fltVal val="1"/>
+                                          </p:val>
+                                        </p:tav>
+                                      </p:tavLst>
+                                    </p:anim>
+                                  </p:childTnLst>
+                                </p:cTn>
+                              </p:par>
+                              <p:par>
+                                <p:cTn id="11" presetID="0" presetClass="entr" presetSubtype="0" fill="hold" grpId="0" nodeType="withEffect">
+                                  <p:stCondLst>
+                                    <p:cond delay="0"/>
+                                  </p:stCondLst>
+                                  <p:iterate type="lt">
+                                    <p:tmPct val="10000"/>
+                                  </p:iterate>
+                                  <p:childTnLst>
+                                    <p:set>
+                                      <p:cBhvr>
+                                        <p:cTn id="12" dur="1" fill="hold">
+                                          <p:stCondLst>
+                                            <p:cond delay="0"/>
+                                          </p:stCondLst>
+                                        </p:cTn>
+                                        <p:tgtEl>
+                                          <p:spTgt spid="13"/>
+                                        </p:tgtEl>
+                                        <p:attrNameLst>
+                                          <p:attrName>style.visibility</p:attrName>
+                                        </p:attrNameLst>
+                                      </p:cBhvr>
+                                      <p:to>
+                                        <p:strVal val="visible"/>
+                                      </p:to>
+                                    </p:set>
+                                    <p:anim to="" calcmode="lin" valueType="num">
+                                      <p:cBhvr>
+                                        <p:cTn id="13" dur="700" fill="hold">
+                                          <p:stCondLst>
+                                            <p:cond delay="0"/>
+                                          </p:stCondLst>
+                                        </p:cTn>
+                                        <p:tgtEl>
+                                          <p:spTgt spid="13"/>
+                                        </p:tgtEl>
+                                        <p:attrNameLst>
+                                          <p:attrName>ppt_x</p:attrName>
+                                        </p:attrNameLst>
+                                      </p:cBhvr>
+                                      <p:tavLst>
+                                        <p:tav tm="0" fmla="#ppt_x-(-#ppt_w/2*cos(ppt_r/180*pi))*((1.5-1.5*$)^2-(1.5-1.5*$)^3)">
+                                          <p:val>
+                                            <p:fltVal val="0"/>
+                                          </p:val>
+                                        </p:tav>
+                                        <p:tav tm="100000">
+                                          <p:val>
+                                            <p:fltVal val="1"/>
+                                          </p:val>
+                                        </p:tav>
+                                      </p:tavLst>
+                                    </p:anim>
+                                    <p:anim to="" calcmode="lin" valueType="num">
+                                      <p:cBhvr>
+                                        <p:cTn id="14" dur="700" fill="hold">
+                                          <p:stCondLst>
+                                            <p:cond delay="0"/>
+                                          </p:stCondLst>
+                                        </p:cTn>
+                                        <p:tgtEl>
+                                          <p:spTgt spid="13"/>
+                                        </p:tgtEl>
+                                        <p:attrNameLst>
+                                          <p:attrName>ppt_y</p:attrName>
+                                        </p:attrNameLst>
+                                      </p:cBhvr>
+                                      <p:tavLst>
+                                        <p:tav tm="0" fmla="#ppt_y+(-#ppt_h/2*cos(ppt_r/180*pi))*((1.5-1.5*$)^2-(1.5-1.5*$)^3)">
+                                          <p:val>
+                                            <p:fltVal val="0"/>
+                                          </p:val>
+                                        </p:tav>
+                                        <p:tav tm="100000">
+                                          <p:val>
+                                            <p:fltVal val="1"/>
+                                          </p:val>
+                                        </p:tav>
+                                      </p:tavLst>
+                                    </p:anim>
+                                    <p:anim to="" calcmode="lin" valueType="num">
+                                      <p:cBhvr>
+                                        <p:cTn id="15" dur="700" fill="hold">
+                                          <p:stCondLst>
+                                            <p:cond delay="0"/>
+                                          </p:stCondLst>
+                                        </p:cTn>
+                                        <p:tgtEl>
+                                          <p:spTgt spid="13"/>
+                                        </p:tgtEl>
+                                        <p:attrNameLst>
+                                          <p:attrName>ppt_h</p:attrName>
+                                        </p:attrNameLst>
+                                      </p:cBhvr>
+                                      <p:tavLst>
+                                        <p:tav tm="0" fmla="#ppt_h-(-#ppt_h)*((1.5-1.5*$)^2-(1.5-1.5*$)^3)">
+                                          <p:val>
+                                            <p:fltVal val="0"/>
+                                          </p:val>
+                                        </p:tav>
+                                        <p:tav tm="100000">
+                                          <p:val>
+                                            <p:fltVal val="1"/>
+                                          </p:val>
+                                        </p:tav>
+                                      </p:tavLst>
+                                    </p:anim>
+                                    <p:anim to="" calcmode="lin" valueType="num">
+                                      <p:cBhvr>
+                                        <p:cTn id="16" dur="700" fill="hold">
+                                          <p:stCondLst>
+                                            <p:cond delay="0"/>
+                                          </p:stCondLst>
+                                        </p:cTn>
+                                        <p:tgtEl>
+                                          <p:spTgt spid="13"/>
+                                        </p:tgtEl>
+                                        <p:attrNameLst>
+                                          <p:attrName>ppt_w</p:attrName>
+                                        </p:attrNameLst>
+                                      </p:cBhvr>
+                                      <p:tavLst>
+                                        <p:tav tm="0" fmla="#ppt_w-(-#ppt_w)*((1.5-1.5*$)^2-(1.5-1.5*$)^3)">
+                                          <p:val>
+                                            <p:fltVal val="0"/>
+                                          </p:val>
+                                        </p:tav>
+                                        <p:tav tm="100000">
+                                          <p:val>
+                                            <p:fltVal val="1"/>
+                                          </p:val>
+                                        </p:tav>
+                                      </p:tavLst>
+                                    </p:anim>
+                                  </p:childTnLst>
+                                </p:cTn>
+                              </p:par>
+                            </p:childTnLst>
+                          </p:cTn>
+                        </p:par>
+                      </p:childTnLst>
+                    </p:cTn>
+                  </p:par>
+                </p:childTnLst>
+              </p:cTn>
+              <p:prevCondLst>
+                <p:cond evt="onPrev" delay="0">
+                  <p:tgtEl>
+                    <p:sldTgt/>
+                  </p:tgtEl>
+                </p:cond>
+              </p:prevCondLst>
+              <p:nextCondLst>
+                <p:cond evt="onNext" delay="0">
+                  <p:tgtEl>
+                    <p:sldTgt/>
+                  </p:tgtEl>
+                </p:cond>
+              </p:nextCondLst>
+            </p:seq>
+          </p:childTnLst>
+        </p:cTn>
+      </p:par>
+    </p:tnLst>
+    <p:bldLst>
+      <p:bldP spid="13" grpId="0"/>
+    </p:bldLst>
+  </p:timing>
+</p:sld>
+</file>
+
+<file path=ppt/slides/slide14.xml><?xml version="1.0" encoding="utf-8"?>
 <p:sld xmlns:a="http://schemas.openxmlformats.org/drawingml/2006/main" xmlns:r="http://schemas.openxmlformats.org/officeDocument/2006/relationships" xmlns:p="http://schemas.openxmlformats.org/presentationml/2006/main">
   <p:cSld>
     <p:spTree>
@@ -24132,6 +24937,49 @@
           </a:p>
         </p:txBody>
       </p:sp>
+      <p:sp>
+        <p:nvSpPr>
+          <p:cNvPr id="3" name="文本框 2"/>
+          <p:cNvSpPr txBox="1"/>
+          <p:nvPr/>
+        </p:nvSpPr>
+        <p:spPr>
+          <a:xfrm>
+            <a:off x="554990" y="2886710"/>
+            <a:ext cx="4932045" cy="1198880"/>
+          </a:xfrm>
+          <a:prstGeom prst="rect">
+            <a:avLst/>
+          </a:prstGeom>
+          <a:noFill/>
+        </p:spPr>
+        <p:txBody>
+          <a:bodyPr wrap="square" rtlCol="0" anchor="t">
+            <a:spAutoFit/>
+          </a:bodyPr>
+          <a:p>
+            <a:r>
+              <a:rPr lang="zh-CN" altLang="en-US"/>
+              <a:t>不允许出现黑色像素</a:t>
+            </a:r>
+            <a:endParaRPr lang="zh-CN" altLang="en-US"/>
+          </a:p>
+          <a:p>
+            <a:r>
+              <a:rPr lang="zh-CN" altLang="en-US"/>
+              <a:t>不允许存在4x过度绘制</a:t>
+            </a:r>
+            <a:endParaRPr lang="zh-CN" altLang="en-US"/>
+          </a:p>
+          <a:p>
+            <a:r>
+              <a:rPr lang="zh-CN" altLang="en-US"/>
+              <a:t>不允许存在面积超过屏幕1/4区域的3x过度绘制（淡红色区域）</a:t>
+            </a:r>
+            <a:endParaRPr lang="zh-CN" altLang="en-US"/>
+          </a:p>
+        </p:txBody>
+      </p:sp>
     </p:spTree>
   </p:cSld>
   <p:clrMapOvr>
@@ -24855,6 +25703,30 @@
           </a:p>
         </p:txBody>
       </p:sp>
+      <p:pic>
+        <p:nvPicPr>
+          <p:cNvPr id="5" name="图片 4" descr="5%Y`~OY)]_9PXHMU3CP8BI1"/>
+          <p:cNvPicPr>
+            <a:picLocks noChangeAspect="1"/>
+          </p:cNvPicPr>
+          <p:nvPr/>
+        </p:nvPicPr>
+        <p:blipFill>
+          <a:blip r:embed="rId3"/>
+          <a:stretch>
+            <a:fillRect/>
+          </a:stretch>
+        </p:blipFill>
+        <p:spPr>
+          <a:xfrm>
+            <a:off x="6416675" y="214630"/>
+            <a:ext cx="3666490" cy="6142990"/>
+          </a:xfrm>
+          <a:prstGeom prst="rect">
+            <a:avLst/>
+          </a:prstGeom>
+        </p:spPr>
+      </p:pic>
     </p:spTree>
   </p:cSld>
   <p:clrMapOvr>
@@ -25652,7 +26524,7 @@
         </p:nvSpPr>
         <p:spPr>
           <a:xfrm>
-            <a:off x="626745" y="4925060"/>
+            <a:off x="626745" y="4934585"/>
             <a:ext cx="2181225" cy="368300"/>
           </a:xfrm>
           <a:prstGeom prst="rect">
@@ -25722,6 +26594,30 @@
           </a:p>
         </p:txBody>
       </p:sp>
+      <p:pic>
+        <p:nvPicPr>
+          <p:cNvPr id="4" name="图片 3" descr="A_(PZRAW7$U~3Z$1JUDPXZW"/>
+          <p:cNvPicPr>
+            <a:picLocks noChangeAspect="1"/>
+          </p:cNvPicPr>
+          <p:nvPr/>
+        </p:nvPicPr>
+        <p:blipFill>
+          <a:blip r:embed="rId3"/>
+          <a:stretch>
+            <a:fillRect/>
+          </a:stretch>
+        </p:blipFill>
+        <p:spPr>
+          <a:xfrm>
+            <a:off x="6807835" y="214630"/>
+            <a:ext cx="3647440" cy="6104890"/>
+          </a:xfrm>
+          <a:prstGeom prst="rect">
+            <a:avLst/>
+          </a:prstGeom>
+        </p:spPr>
+      </p:pic>
     </p:spTree>
   </p:cSld>
   <p:clrMapOvr>
@@ -26319,6 +27215,18 @@
 </file>
 
 <file path=ppt/tags/tag47.xml><?xml version="1.0" encoding="utf-8"?>
+<p:tagLst xmlns:p="http://schemas.openxmlformats.org/presentationml/2006/main">
+  <p:tag name="PA" val="v4.1.3"/>
+</p:tagLst>
+</file>
+
+<file path=ppt/tags/tag48.xml><?xml version="1.0" encoding="utf-8"?>
+<p:tagLst xmlns:p="http://schemas.openxmlformats.org/presentationml/2006/main">
+  <p:tag name="PA" val="v4.1.3"/>
+</p:tagLst>
+</file>
+
+<file path=ppt/tags/tag49.xml><?xml version="1.0" encoding="utf-8"?>
 <p:tagLst xmlns:p="http://schemas.openxmlformats.org/presentationml/2006/main">
   <p:tag name="PA" val="v4.1.3"/>
 </p:tagLst>

--- a/pre/约束布局.pptx
+++ b/pre/约束布局.pptx
@@ -5245,9 +5245,9 @@
         <p:grpSpPr>
           <a:xfrm>
             <a:off x="4319588" y="5273675"/>
-            <a:ext cx="4000500" cy="368300"/>
+            <a:ext cx="3796793" cy="368300"/>
             <a:chOff x="4060522" y="5638470"/>
-            <a:chExt cx="4001459" cy="367746"/>
+            <a:chExt cx="3797703" cy="367746"/>
           </a:xfrm>
         </p:grpSpPr>
         <p:grpSp>
@@ -5845,7 +5845,7 @@
           <p:spPr>
             <a:xfrm>
               <a:off x="4411254" y="5638470"/>
-              <a:ext cx="3650727" cy="367746"/>
+              <a:ext cx="3446971" cy="367746"/>
             </a:xfrm>
             <a:prstGeom prst="rect">
               <a:avLst/>
@@ -5861,7 +5861,7 @@
             </a:bodyPr>
             <a:lstStyle/>
             <a:p>
-              <a:pPr defTabSz="1219200"/>
+              <a:pPr algn="l" defTabSz="1219200"/>
               <a:r>
                 <a:rPr lang="zh-CN" altLang="en-US" dirty="0">
                   <a:solidFill>
@@ -5870,17 +5870,37 @@
                   <a:latin typeface="微软雅黑" panose="020B0503020204020204" pitchFamily="34" charset="-122"/>
                   <a:ea typeface="微软雅黑" panose="020B0503020204020204" pitchFamily="34" charset="-122"/>
                 </a:rPr>
-                <a:t>课程咨询依娜老师：</a:t>
+                <a:t>课程咨询</a:t>
               </a:r>
               <a:r>
-                <a:rPr lang="en-US" altLang="zh-CN" b="1" dirty="0">
+                <a:rPr dirty="0">
                   <a:solidFill>
                     <a:srgbClr val="7A7A7A"/>
                   </a:solidFill>
                   <a:latin typeface="微软雅黑" panose="020B0503020204020204" pitchFamily="34" charset="-122"/>
                   <a:ea typeface="微软雅黑" panose="020B0503020204020204" pitchFamily="34" charset="-122"/>
+                  <a:sym typeface="+mn-ea"/>
                 </a:rPr>
-                <a:t>2133576719</a:t>
+                <a:t>安生老师</a:t>
+              </a:r>
+              <a:r>
+                <a:rPr lang="zh-CN" altLang="en-US" dirty="0">
+                  <a:latin typeface="微软雅黑" panose="020B0503020204020204" pitchFamily="34" charset="-122"/>
+                  <a:ea typeface="微软雅黑" panose="020B0503020204020204" pitchFamily="34" charset="-122"/>
+                  <a:sym typeface="+mn-ea"/>
+                </a:rPr>
+                <a:t>：</a:t>
+              </a:r>
+              <a:r>
+                <a:rPr dirty="0">
+                  <a:solidFill>
+                    <a:srgbClr val="7A7A7A"/>
+                  </a:solidFill>
+                  <a:latin typeface="微软雅黑" panose="020B0503020204020204" pitchFamily="34" charset="-122"/>
+                  <a:ea typeface="微软雅黑" panose="020B0503020204020204" pitchFamily="34" charset="-122"/>
+                  <a:sym typeface="+mn-ea"/>
+                </a:rPr>
+                <a:t>669100976</a:t>
               </a:r>
               <a:endParaRPr lang="en-US" altLang="zh-CN" b="1" dirty="0">
                 <a:solidFill>
@@ -10141,9 +10161,9 @@
         <p:grpSpPr>
           <a:xfrm>
             <a:off x="2460091" y="5476597"/>
-            <a:ext cx="3437533" cy="480131"/>
+            <a:ext cx="3424321" cy="478155"/>
             <a:chOff x="1139058" y="5549903"/>
-            <a:chExt cx="3437533" cy="480131"/>
+            <a:chExt cx="3424321" cy="478155"/>
           </a:xfrm>
         </p:grpSpPr>
         <p:grpSp>
@@ -10569,8 +10589,8 @@
           </p:nvSpPr>
           <p:spPr bwMode="auto">
             <a:xfrm>
-              <a:off x="1384692" y="5549903"/>
-              <a:ext cx="3191899" cy="480131"/>
+              <a:off x="1397904" y="5549903"/>
+              <a:ext cx="3165475" cy="478155"/>
             </a:xfrm>
             <a:prstGeom prst="rect">
               <a:avLst/>
@@ -10642,12 +10662,12 @@
                 <a:t>：</a:t>
               </a:r>
               <a:r>
-                <a:rPr lang="zh-CN" altLang="en-US" dirty="0">
+                <a:rPr lang="en-US" altLang="zh-CN" dirty="0">
                   <a:latin typeface="微软雅黑" panose="020B0503020204020204" pitchFamily="34" charset="-122"/>
                   <a:ea typeface="微软雅黑" panose="020B0503020204020204" pitchFamily="34" charset="-122"/>
                   <a:sym typeface="等线" panose="02010600030101010101" charset="-122"/>
                 </a:rPr>
-                <a:t>2962938812</a:t>
+                <a:t>2124346685</a:t>
               </a:r>
               <a:endParaRPr lang="en-US" altLang="zh-CN" dirty="0">
                 <a:latin typeface="微软雅黑" panose="020B0503020204020204" pitchFamily="34" charset="-122"/>
@@ -10666,9 +10686,9 @@
         <p:grpSpPr>
           <a:xfrm>
             <a:off x="6359105" y="5531207"/>
-            <a:ext cx="4028342" cy="369332"/>
+            <a:ext cx="3796877" cy="368300"/>
             <a:chOff x="4060522" y="5638470"/>
-            <a:chExt cx="4028342" cy="369332"/>
+            <a:chExt cx="3796877" cy="368300"/>
           </a:xfrm>
         </p:grpSpPr>
         <p:grpSp>
@@ -11272,7 +11292,7 @@
           <p:spPr bwMode="auto">
             <a:xfrm>
               <a:off x="4411254" y="5638470"/>
-              <a:ext cx="3677610" cy="369332"/>
+              <a:ext cx="3446145" cy="368300"/>
             </a:xfrm>
             <a:prstGeom prst="rect">
               <a:avLst/>
@@ -11317,20 +11337,21 @@
             </a:bodyPr>
             <a:lstStyle/>
             <a:p>
-              <a:pPr defTabSz="1218565"/>
+              <a:pPr algn="l" defTabSz="1218565"/>
               <a:r>
                 <a:rPr lang="zh-CN" altLang="en-US" smtClean="0">
                   <a:latin typeface="微软雅黑" panose="020B0503020204020204" pitchFamily="34" charset="-122"/>
                   <a:ea typeface="微软雅黑" panose="020B0503020204020204" pitchFamily="34" charset="-122"/>
                 </a:rPr>
-                <a:t>课程咨询依娜老师：</a:t>
+                <a:t>课程咨询</a:t>
               </a:r>
               <a:r>
-                <a:rPr lang="en-US" altLang="zh-CN" smtClean="0">
+                <a:rPr lang="zh-CN" altLang="en-US" smtClean="0">
                   <a:latin typeface="微软雅黑" panose="020B0503020204020204" pitchFamily="34" charset="-122"/>
                   <a:ea typeface="微软雅黑" panose="020B0503020204020204" pitchFamily="34" charset="-122"/>
+                  <a:sym typeface="+mn-ea"/>
                 </a:rPr>
-                <a:t> 2133576719</a:t>
+                <a:t>安生老师：669100976</a:t>
               </a:r>
               <a:endParaRPr lang="en-US" altLang="zh-CN" dirty="0">
                 <a:latin typeface="微软雅黑" panose="020B0503020204020204" pitchFamily="34" charset="-122"/>

--- a/pre/约束布局.pptx
+++ b/pre/约束布局.pptx
@@ -1438,7 +1438,7 @@
         <p:spPr bwMode="auto">
           <a:xfrm>
             <a:off x="8286750" y="6411205"/>
-            <a:ext cx="3832225" cy="369888"/>
+            <a:ext cx="3832225" cy="368300"/>
           </a:xfrm>
           <a:prstGeom prst="rect">
             <a:avLst/>
@@ -1594,9 +1594,9 @@
             </a:r>
             <a:r>
               <a:rPr lang="en-US" altLang="zh-CN" smtClean="0"/>
-              <a:t>684504192</a:t>
+              <a:t>921908169</a:t>
             </a:r>
-            <a:endParaRPr lang="zh-CN" altLang="en-US" smtClean="0"/>
+            <a:endParaRPr lang="en-US" altLang="zh-CN" smtClean="0"/>
           </a:p>
         </p:txBody>
       </p:sp>

--- a/pre/约束布局.pptx
+++ b/pre/约束布局.pptx
@@ -26,6 +26,9 @@
   </p:sldIdLst>
   <p:sldSz cx="12192000" cy="6858000"/>
   <p:notesSz cx="6858000" cy="9144000"/>
+  <p:custDataLst>
+    <p:tags r:id="rId22"/>
+  </p:custDataLst>
   <p:defaultTextStyle>
     <a:defPPr>
       <a:defRPr lang="zh-CN"/>
@@ -1249,354 +1252,6 @@
           <a:p>
             <a:pPr algn="ctr"/>
             <a:endParaRPr lang="zh-CN" altLang="en-US"/>
-          </a:p>
-        </p:txBody>
-      </p:sp>
-      <p:sp>
-        <p:nvSpPr>
-          <p:cNvPr id="10" name="TextBox 9"/>
-          <p:cNvSpPr txBox="1">
-            <a:spLocks noChangeArrowheads="1"/>
-          </p:cNvSpPr>
-          <p:nvPr userDrawn="1"/>
-        </p:nvSpPr>
-        <p:spPr bwMode="auto">
-          <a:xfrm>
-            <a:off x="8313" y="6395244"/>
-            <a:ext cx="3832225" cy="369332"/>
-          </a:xfrm>
-          <a:prstGeom prst="rect">
-            <a:avLst/>
-          </a:prstGeom>
-          <a:noFill/>
-          <a:ln>
-            <a:noFill/>
-          </a:ln>
-          <a:extLst>
-            <a:ext uri="{909E8E84-426E-40DD-AFC4-6F175D3DCCD1}">
-              <a14:hiddenFill xmlns:a14="http://schemas.microsoft.com/office/drawing/2010/main">
-                <a:solidFill>
-                  <a:srgbClr val="FFFFFF"/>
-                </a:solidFill>
-              </a14:hiddenFill>
-            </a:ext>
-            <a:ext uri="{91240B29-F687-4F45-9708-019B960494DF}">
-              <a14:hiddenLine xmlns:a14="http://schemas.microsoft.com/office/drawing/2010/main" w="9525">
-                <a:solidFill>
-                  <a:srgbClr val="000000"/>
-                </a:solidFill>
-                <a:miter lim="800000"/>
-                <a:headEnd/>
-                <a:tailEnd/>
-              </a14:hiddenLine>
-            </a:ext>
-          </a:extLst>
-        </p:spPr>
-        <p:txBody>
-          <a:bodyPr>
-            <a:spAutoFit/>
-          </a:bodyPr>
-          <a:lstStyle>
-            <a:lvl1pPr>
-              <a:defRPr>
-                <a:solidFill>
-                  <a:schemeClr val="tx1"/>
-                </a:solidFill>
-                <a:latin typeface="Arial" panose="020B0604020202020204" pitchFamily="34" charset="0"/>
-                <a:ea typeface="宋体" panose="02010600030101010101" pitchFamily="2" charset="-122"/>
-              </a:defRPr>
-            </a:lvl1pPr>
-            <a:lvl2pPr marL="742950" indent="-285750">
-              <a:defRPr>
-                <a:solidFill>
-                  <a:schemeClr val="tx1"/>
-                </a:solidFill>
-                <a:latin typeface="Arial" panose="020B0604020202020204" pitchFamily="34" charset="0"/>
-                <a:ea typeface="宋体" panose="02010600030101010101" pitchFamily="2" charset="-122"/>
-              </a:defRPr>
-            </a:lvl2pPr>
-            <a:lvl3pPr marL="1143000" indent="-228600">
-              <a:defRPr>
-                <a:solidFill>
-                  <a:schemeClr val="tx1"/>
-                </a:solidFill>
-                <a:latin typeface="Arial" panose="020B0604020202020204" pitchFamily="34" charset="0"/>
-                <a:ea typeface="宋体" panose="02010600030101010101" pitchFamily="2" charset="-122"/>
-              </a:defRPr>
-            </a:lvl3pPr>
-            <a:lvl4pPr marL="1600200" indent="-228600">
-              <a:defRPr>
-                <a:solidFill>
-                  <a:schemeClr val="tx1"/>
-                </a:solidFill>
-                <a:latin typeface="Arial" panose="020B0604020202020204" pitchFamily="34" charset="0"/>
-                <a:ea typeface="宋体" panose="02010600030101010101" pitchFamily="2" charset="-122"/>
-              </a:defRPr>
-            </a:lvl4pPr>
-            <a:lvl5pPr marL="2057400" indent="-228600">
-              <a:defRPr>
-                <a:solidFill>
-                  <a:schemeClr val="tx1"/>
-                </a:solidFill>
-                <a:latin typeface="Arial" panose="020B0604020202020204" pitchFamily="34" charset="0"/>
-                <a:ea typeface="宋体" panose="02010600030101010101" pitchFamily="2" charset="-122"/>
-              </a:defRPr>
-            </a:lvl5pPr>
-            <a:lvl6pPr marL="2514600" indent="-228600" eaLnBrk="0" fontAlgn="base" hangingPunct="0">
-              <a:spcBef>
-                <a:spcPct val="0"/>
-              </a:spcBef>
-              <a:spcAft>
-                <a:spcPct val="0"/>
-              </a:spcAft>
-              <a:defRPr>
-                <a:solidFill>
-                  <a:schemeClr val="tx1"/>
-                </a:solidFill>
-                <a:latin typeface="Arial" panose="020B0604020202020204" pitchFamily="34" charset="0"/>
-                <a:ea typeface="宋体" panose="02010600030101010101" pitchFamily="2" charset="-122"/>
-              </a:defRPr>
-            </a:lvl6pPr>
-            <a:lvl7pPr marL="2971800" indent="-228600" eaLnBrk="0" fontAlgn="base" hangingPunct="0">
-              <a:spcBef>
-                <a:spcPct val="0"/>
-              </a:spcBef>
-              <a:spcAft>
-                <a:spcPct val="0"/>
-              </a:spcAft>
-              <a:defRPr>
-                <a:solidFill>
-                  <a:schemeClr val="tx1"/>
-                </a:solidFill>
-                <a:latin typeface="Arial" panose="020B0604020202020204" pitchFamily="34" charset="0"/>
-                <a:ea typeface="宋体" panose="02010600030101010101" pitchFamily="2" charset="-122"/>
-              </a:defRPr>
-            </a:lvl7pPr>
-            <a:lvl8pPr marL="3429000" indent="-228600" eaLnBrk="0" fontAlgn="base" hangingPunct="0">
-              <a:spcBef>
-                <a:spcPct val="0"/>
-              </a:spcBef>
-              <a:spcAft>
-                <a:spcPct val="0"/>
-              </a:spcAft>
-              <a:defRPr>
-                <a:solidFill>
-                  <a:schemeClr val="tx1"/>
-                </a:solidFill>
-                <a:latin typeface="Arial" panose="020B0604020202020204" pitchFamily="34" charset="0"/>
-                <a:ea typeface="宋体" panose="02010600030101010101" pitchFamily="2" charset="-122"/>
-              </a:defRPr>
-            </a:lvl8pPr>
-            <a:lvl9pPr marL="3886200" indent="-228600" eaLnBrk="0" fontAlgn="base" hangingPunct="0">
-              <a:spcBef>
-                <a:spcPct val="0"/>
-              </a:spcBef>
-              <a:spcAft>
-                <a:spcPct val="0"/>
-              </a:spcAft>
-              <a:defRPr>
-                <a:solidFill>
-                  <a:schemeClr val="tx1"/>
-                </a:solidFill>
-                <a:latin typeface="Arial" panose="020B0604020202020204" pitchFamily="34" charset="0"/>
-                <a:ea typeface="宋体" panose="02010600030101010101" pitchFamily="2" charset="-122"/>
-              </a:defRPr>
-            </a:lvl9pPr>
-          </a:lstStyle>
-          <a:p>
-            <a:pPr>
-              <a:defRPr/>
-            </a:pPr>
-            <a:r>
-              <a:rPr lang="zh-CN" altLang="en-US" b="1" smtClean="0">
-                <a:solidFill>
-                  <a:srgbClr val="7030A0"/>
-                </a:solidFill>
-                <a:latin typeface="微软雅黑" panose="020B0503020204020204" pitchFamily="34" charset="-122"/>
-                <a:ea typeface="微软雅黑" panose="020B0503020204020204" pitchFamily="34" charset="-122"/>
-              </a:rPr>
-              <a:t>享 学 课 堂：</a:t>
-            </a:r>
-            <a:r>
-              <a:rPr lang="en-US" altLang="zh-CN" smtClean="0">
-                <a:hlinkClick r:id="rId3"/>
-              </a:rPr>
-              <a:t>http://enjoy.ke.qq.com/</a:t>
-            </a:r>
-            <a:endParaRPr lang="zh-CN" altLang="en-US" smtClean="0"/>
-          </a:p>
-        </p:txBody>
-      </p:sp>
-      <p:sp>
-        <p:nvSpPr>
-          <p:cNvPr id="11" name="TextBox 10"/>
-          <p:cNvSpPr txBox="1">
-            <a:spLocks noChangeArrowheads="1"/>
-          </p:cNvSpPr>
-          <p:nvPr userDrawn="1"/>
-        </p:nvSpPr>
-        <p:spPr bwMode="auto">
-          <a:xfrm>
-            <a:off x="8286750" y="6411205"/>
-            <a:ext cx="3832225" cy="368300"/>
-          </a:xfrm>
-          <a:prstGeom prst="rect">
-            <a:avLst/>
-          </a:prstGeom>
-          <a:noFill/>
-          <a:ln>
-            <a:noFill/>
-          </a:ln>
-          <a:extLst>
-            <a:ext uri="{909E8E84-426E-40DD-AFC4-6F175D3DCCD1}">
-              <a14:hiddenFill xmlns:a14="http://schemas.microsoft.com/office/drawing/2010/main">
-                <a:solidFill>
-                  <a:srgbClr val="FFFFFF"/>
-                </a:solidFill>
-              </a14:hiddenFill>
-            </a:ext>
-            <a:ext uri="{91240B29-F687-4F45-9708-019B960494DF}">
-              <a14:hiddenLine xmlns:a14="http://schemas.microsoft.com/office/drawing/2010/main" w="9525">
-                <a:solidFill>
-                  <a:srgbClr val="000000"/>
-                </a:solidFill>
-                <a:miter lim="800000"/>
-                <a:headEnd/>
-                <a:tailEnd/>
-              </a14:hiddenLine>
-            </a:ext>
-          </a:extLst>
-        </p:spPr>
-        <p:txBody>
-          <a:bodyPr>
-            <a:spAutoFit/>
-          </a:bodyPr>
-          <a:lstStyle>
-            <a:lvl1pPr>
-              <a:defRPr>
-                <a:solidFill>
-                  <a:schemeClr val="tx1"/>
-                </a:solidFill>
-                <a:latin typeface="Arial" panose="020B0604020202020204" pitchFamily="34" charset="0"/>
-                <a:ea typeface="宋体" panose="02010600030101010101" pitchFamily="2" charset="-122"/>
-              </a:defRPr>
-            </a:lvl1pPr>
-            <a:lvl2pPr marL="742950" indent="-285750">
-              <a:defRPr>
-                <a:solidFill>
-                  <a:schemeClr val="tx1"/>
-                </a:solidFill>
-                <a:latin typeface="Arial" panose="020B0604020202020204" pitchFamily="34" charset="0"/>
-                <a:ea typeface="宋体" panose="02010600030101010101" pitchFamily="2" charset="-122"/>
-              </a:defRPr>
-            </a:lvl2pPr>
-            <a:lvl3pPr marL="1143000" indent="-228600">
-              <a:defRPr>
-                <a:solidFill>
-                  <a:schemeClr val="tx1"/>
-                </a:solidFill>
-                <a:latin typeface="Arial" panose="020B0604020202020204" pitchFamily="34" charset="0"/>
-                <a:ea typeface="宋体" panose="02010600030101010101" pitchFamily="2" charset="-122"/>
-              </a:defRPr>
-            </a:lvl3pPr>
-            <a:lvl4pPr marL="1600200" indent="-228600">
-              <a:defRPr>
-                <a:solidFill>
-                  <a:schemeClr val="tx1"/>
-                </a:solidFill>
-                <a:latin typeface="Arial" panose="020B0604020202020204" pitchFamily="34" charset="0"/>
-                <a:ea typeface="宋体" panose="02010600030101010101" pitchFamily="2" charset="-122"/>
-              </a:defRPr>
-            </a:lvl4pPr>
-            <a:lvl5pPr marL="2057400" indent="-228600">
-              <a:defRPr>
-                <a:solidFill>
-                  <a:schemeClr val="tx1"/>
-                </a:solidFill>
-                <a:latin typeface="Arial" panose="020B0604020202020204" pitchFamily="34" charset="0"/>
-                <a:ea typeface="宋体" panose="02010600030101010101" pitchFamily="2" charset="-122"/>
-              </a:defRPr>
-            </a:lvl5pPr>
-            <a:lvl6pPr marL="2514600" indent="-228600" eaLnBrk="0" fontAlgn="base" hangingPunct="0">
-              <a:spcBef>
-                <a:spcPct val="0"/>
-              </a:spcBef>
-              <a:spcAft>
-                <a:spcPct val="0"/>
-              </a:spcAft>
-              <a:defRPr>
-                <a:solidFill>
-                  <a:schemeClr val="tx1"/>
-                </a:solidFill>
-                <a:latin typeface="Arial" panose="020B0604020202020204" pitchFamily="34" charset="0"/>
-                <a:ea typeface="宋体" panose="02010600030101010101" pitchFamily="2" charset="-122"/>
-              </a:defRPr>
-            </a:lvl6pPr>
-            <a:lvl7pPr marL="2971800" indent="-228600" eaLnBrk="0" fontAlgn="base" hangingPunct="0">
-              <a:spcBef>
-                <a:spcPct val="0"/>
-              </a:spcBef>
-              <a:spcAft>
-                <a:spcPct val="0"/>
-              </a:spcAft>
-              <a:defRPr>
-                <a:solidFill>
-                  <a:schemeClr val="tx1"/>
-                </a:solidFill>
-                <a:latin typeface="Arial" panose="020B0604020202020204" pitchFamily="34" charset="0"/>
-                <a:ea typeface="宋体" panose="02010600030101010101" pitchFamily="2" charset="-122"/>
-              </a:defRPr>
-            </a:lvl7pPr>
-            <a:lvl8pPr marL="3429000" indent="-228600" eaLnBrk="0" fontAlgn="base" hangingPunct="0">
-              <a:spcBef>
-                <a:spcPct val="0"/>
-              </a:spcBef>
-              <a:spcAft>
-                <a:spcPct val="0"/>
-              </a:spcAft>
-              <a:defRPr>
-                <a:solidFill>
-                  <a:schemeClr val="tx1"/>
-                </a:solidFill>
-                <a:latin typeface="Arial" panose="020B0604020202020204" pitchFamily="34" charset="0"/>
-                <a:ea typeface="宋体" panose="02010600030101010101" pitchFamily="2" charset="-122"/>
-              </a:defRPr>
-            </a:lvl8pPr>
-            <a:lvl9pPr marL="3886200" indent="-228600" eaLnBrk="0" fontAlgn="base" hangingPunct="0">
-              <a:spcBef>
-                <a:spcPct val="0"/>
-              </a:spcBef>
-              <a:spcAft>
-                <a:spcPct val="0"/>
-              </a:spcAft>
-              <a:defRPr>
-                <a:solidFill>
-                  <a:schemeClr val="tx1"/>
-                </a:solidFill>
-                <a:latin typeface="Arial" panose="020B0604020202020204" pitchFamily="34" charset="0"/>
-                <a:ea typeface="宋体" panose="02010600030101010101" pitchFamily="2" charset="-122"/>
-              </a:defRPr>
-            </a:lvl9pPr>
-          </a:lstStyle>
-          <a:p>
-            <a:pPr>
-              <a:defRPr/>
-            </a:pPr>
-            <a:r>
-              <a:rPr lang="zh-CN" altLang="en-US" b="1" smtClean="0">
-                <a:solidFill>
-                  <a:srgbClr val="7030A0"/>
-                </a:solidFill>
-                <a:latin typeface="微软雅黑" panose="020B0503020204020204" pitchFamily="34" charset="-122"/>
-                <a:ea typeface="微软雅黑" panose="020B0503020204020204" pitchFamily="34" charset="-122"/>
-              </a:rPr>
-              <a:t>享 学 官 方 群：</a:t>
-            </a:r>
-            <a:r>
-              <a:rPr lang="en-US" altLang="zh-CN" smtClean="0"/>
-              <a:t>921908169</a:t>
-            </a:r>
-            <a:endParaRPr lang="en-US" altLang="zh-CN" smtClean="0"/>
           </a:p>
         </p:txBody>
       </p:sp>
@@ -27259,6 +26914,12 @@
 </p:tagLst>
 </file>
 
+<file path=ppt/tags/tag50.xml><?xml version="1.0" encoding="utf-8"?>
+<p:tagLst xmlns:p="http://schemas.openxmlformats.org/presentationml/2006/main">
+  <p:tag name="KSO_WM_DOC_GUID" val="{5b19d8a2-e234-430a-b45e-8d561a05ffe7}"/>
+</p:tagLst>
+</file>
+
 <file path=ppt/tags/tag6.xml><?xml version="1.0" encoding="utf-8"?>
 <p:tagLst xmlns:p="http://schemas.openxmlformats.org/presentationml/2006/main">
   <p:tag name="PA" val="v4.1.3"/>
